--- a/content/Java 11 and 17 Features.pptx
+++ b/content/Java 11 and 17 Features.pptx
@@ -5,7 +5,7 @@
     <p:sldMasterId id="2147483648" r:id="rId1"/>
   </p:sldMasterIdLst>
   <p:notesMasterIdLst>
-    <p:notesMasterId r:id="rId28"/>
+    <p:notesMasterId r:id="rId45"/>
   </p:notesMasterIdLst>
   <p:sldIdLst>
     <p:sldId id="256" r:id="rId2"/>
@@ -34,6 +34,23 @@
     <p:sldId id="279" r:id="rId25"/>
     <p:sldId id="280" r:id="rId26"/>
     <p:sldId id="281" r:id="rId27"/>
+    <p:sldId id="282" r:id="rId28"/>
+    <p:sldId id="283" r:id="rId29"/>
+    <p:sldId id="284" r:id="rId30"/>
+    <p:sldId id="285" r:id="rId31"/>
+    <p:sldId id="286" r:id="rId32"/>
+    <p:sldId id="287" r:id="rId33"/>
+    <p:sldId id="288" r:id="rId34"/>
+    <p:sldId id="289" r:id="rId35"/>
+    <p:sldId id="290" r:id="rId36"/>
+    <p:sldId id="291" r:id="rId37"/>
+    <p:sldId id="292" r:id="rId38"/>
+    <p:sldId id="293" r:id="rId39"/>
+    <p:sldId id="294" r:id="rId40"/>
+    <p:sldId id="295" r:id="rId41"/>
+    <p:sldId id="296" r:id="rId42"/>
+    <p:sldId id="297" r:id="rId43"/>
+    <p:sldId id="298" r:id="rId44"/>
   </p:sldIdLst>
   <p:sldSz cx="12192000" cy="6858000"/>
   <p:notesSz cx="6858000" cy="9144000"/>
@@ -222,7 +239,7 @@
           <a:p>
             <a:fld id="{D0B789FD-79C9-4FA9-BBA1-2C58E365B50E}" type="datetimeFigureOut">
               <a:rPr lang="en-IN" smtClean="0"/>
-              <a:t>07-06-2023</a:t>
+              <a:t>08-06-2023</a:t>
             </a:fld>
             <a:endParaRPr lang="en-IN"/>
           </a:p>
@@ -1814,6 +1831,820 @@
 </p:notes>
 </file>
 
+<file path=ppt/notesSlides/notesSlide20.xml><?xml version="1.0" encoding="utf-8"?>
+<p:notes xmlns:a="http://schemas.openxmlformats.org/drawingml/2006/main" xmlns:r="http://schemas.openxmlformats.org/officeDocument/2006/relationships" xmlns:p="http://schemas.openxmlformats.org/presentationml/2006/main">
+  <p:cSld>
+    <p:spTree>
+      <p:nvGrpSpPr>
+        <p:cNvPr id="1" name=""/>
+        <p:cNvGrpSpPr/>
+        <p:nvPr/>
+      </p:nvGrpSpPr>
+      <p:grpSpPr>
+        <a:xfrm>
+          <a:off x="0" y="0"/>
+          <a:ext cx="0" cy="0"/>
+          <a:chOff x="0" y="0"/>
+          <a:chExt cx="0" cy="0"/>
+        </a:xfrm>
+      </p:grpSpPr>
+      <p:sp>
+        <p:nvSpPr>
+          <p:cNvPr id="2" name="Slide Image Placeholder 1"/>
+          <p:cNvSpPr>
+            <a:spLocks noGrp="1" noRot="1" noChangeAspect="1"/>
+          </p:cNvSpPr>
+          <p:nvPr>
+            <p:ph type="sldImg"/>
+          </p:nvPr>
+        </p:nvSpPr>
+        <p:spPr/>
+      </p:sp>
+      <p:sp>
+        <p:nvSpPr>
+          <p:cNvPr id="3" name="Notes Placeholder 2"/>
+          <p:cNvSpPr>
+            <a:spLocks noGrp="1"/>
+          </p:cNvSpPr>
+          <p:nvPr>
+            <p:ph type="body" idx="1"/>
+          </p:nvPr>
+        </p:nvSpPr>
+        <p:spPr/>
+        <p:txBody>
+          <a:bodyPr/>
+          <a:lstStyle/>
+          <a:p>
+            <a:r>
+              <a:rPr lang="en-US" b="0" i="0" dirty="0">
+                <a:solidFill>
+                  <a:srgbClr val="222635"/>
+                </a:solidFill>
+                <a:effectLst/>
+                <a:latin typeface="Cambria" panose="02040503050406030204" pitchFamily="18" charset="0"/>
+              </a:rPr>
+              <a:t>In the above record, I have performed a simple validation and I have added a further 100 to each once it was passed. This way of defining a compact constructor means I am still working with header variables and the actual assignment to the instance variables happens at the end. The above code would be equivalent to the following : </a:t>
+            </a:r>
+            <a:endParaRPr lang="en-IN" dirty="0"/>
+          </a:p>
+        </p:txBody>
+      </p:sp>
+      <p:sp>
+        <p:nvSpPr>
+          <p:cNvPr id="4" name="Slide Number Placeholder 3"/>
+          <p:cNvSpPr>
+            <a:spLocks noGrp="1"/>
+          </p:cNvSpPr>
+          <p:nvPr>
+            <p:ph type="sldNum" sz="quarter" idx="5"/>
+          </p:nvPr>
+        </p:nvSpPr>
+        <p:spPr/>
+        <p:txBody>
+          <a:bodyPr/>
+          <a:lstStyle/>
+          <a:p>
+            <a:fld id="{C6E4041A-54F1-41AE-B668-B0353CFB91C2}" type="slidenum">
+              <a:rPr lang="en-IN" smtClean="0"/>
+              <a:t>32</a:t>
+            </a:fld>
+            <a:endParaRPr lang="en-IN"/>
+          </a:p>
+        </p:txBody>
+      </p:sp>
+    </p:spTree>
+    <p:extLst>
+      <p:ext uri="{BB962C8B-B14F-4D97-AF65-F5344CB8AC3E}">
+        <p14:creationId xmlns:p14="http://schemas.microsoft.com/office/powerpoint/2010/main" val="3232667320"/>
+      </p:ext>
+    </p:extLst>
+  </p:cSld>
+  <p:clrMapOvr>
+    <a:masterClrMapping/>
+  </p:clrMapOvr>
+</p:notes>
+</file>
+
+<file path=ppt/notesSlides/notesSlide21.xml><?xml version="1.0" encoding="utf-8"?>
+<p:notes xmlns:a="http://schemas.openxmlformats.org/drawingml/2006/main" xmlns:r="http://schemas.openxmlformats.org/officeDocument/2006/relationships" xmlns:p="http://schemas.openxmlformats.org/presentationml/2006/main">
+  <p:cSld>
+    <p:spTree>
+      <p:nvGrpSpPr>
+        <p:cNvPr id="1" name=""/>
+        <p:cNvGrpSpPr/>
+        <p:nvPr/>
+      </p:nvGrpSpPr>
+      <p:grpSpPr>
+        <a:xfrm>
+          <a:off x="0" y="0"/>
+          <a:ext cx="0" cy="0"/>
+          <a:chOff x="0" y="0"/>
+          <a:chExt cx="0" cy="0"/>
+        </a:xfrm>
+      </p:grpSpPr>
+      <p:sp>
+        <p:nvSpPr>
+          <p:cNvPr id="2" name="Slide Image Placeholder 1"/>
+          <p:cNvSpPr>
+            <a:spLocks noGrp="1" noRot="1" noChangeAspect="1"/>
+          </p:cNvSpPr>
+          <p:nvPr>
+            <p:ph type="sldImg"/>
+          </p:nvPr>
+        </p:nvSpPr>
+        <p:spPr/>
+      </p:sp>
+      <p:sp>
+        <p:nvSpPr>
+          <p:cNvPr id="3" name="Notes Placeholder 2"/>
+          <p:cNvSpPr>
+            <a:spLocks noGrp="1"/>
+          </p:cNvSpPr>
+          <p:nvPr>
+            <p:ph type="body" idx="1"/>
+          </p:nvPr>
+        </p:nvSpPr>
+        <p:spPr/>
+        <p:txBody>
+          <a:bodyPr/>
+          <a:lstStyle/>
+          <a:p>
+            <a:r>
+              <a:rPr lang="en-US" b="0" i="0" dirty="0">
+                <a:solidFill>
+                  <a:srgbClr val="222635"/>
+                </a:solidFill>
+                <a:effectLst/>
+                <a:latin typeface="Cambria" panose="02040503050406030204" pitchFamily="18" charset="0"/>
+              </a:rPr>
+              <a:t>In the above record, I have performed a simple validation and I have added a further 100 to each once it was passed. This way of defining a compact constructor means I am still working with header variables and the actual assignment to the instance variables happens at the end. </a:t>
+            </a:r>
+            <a:endParaRPr lang="en-IN" dirty="0"/>
+          </a:p>
+        </p:txBody>
+      </p:sp>
+      <p:sp>
+        <p:nvSpPr>
+          <p:cNvPr id="4" name="Slide Number Placeholder 3"/>
+          <p:cNvSpPr>
+            <a:spLocks noGrp="1"/>
+          </p:cNvSpPr>
+          <p:nvPr>
+            <p:ph type="sldNum" sz="quarter" idx="5"/>
+          </p:nvPr>
+        </p:nvSpPr>
+        <p:spPr/>
+        <p:txBody>
+          <a:bodyPr/>
+          <a:lstStyle/>
+          <a:p>
+            <a:fld id="{C6E4041A-54F1-41AE-B668-B0353CFB91C2}" type="slidenum">
+              <a:rPr lang="en-IN" smtClean="0"/>
+              <a:t>33</a:t>
+            </a:fld>
+            <a:endParaRPr lang="en-IN"/>
+          </a:p>
+        </p:txBody>
+      </p:sp>
+    </p:spTree>
+    <p:extLst>
+      <p:ext uri="{BB962C8B-B14F-4D97-AF65-F5344CB8AC3E}">
+        <p14:creationId xmlns:p14="http://schemas.microsoft.com/office/powerpoint/2010/main" val="2424850128"/>
+      </p:ext>
+    </p:extLst>
+  </p:cSld>
+  <p:clrMapOvr>
+    <a:masterClrMapping/>
+  </p:clrMapOvr>
+</p:notes>
+</file>
+
+<file path=ppt/notesSlides/notesSlide22.xml><?xml version="1.0" encoding="utf-8"?>
+<p:notes xmlns:a="http://schemas.openxmlformats.org/drawingml/2006/main" xmlns:r="http://schemas.openxmlformats.org/officeDocument/2006/relationships" xmlns:p="http://schemas.openxmlformats.org/presentationml/2006/main">
+  <p:cSld>
+    <p:spTree>
+      <p:nvGrpSpPr>
+        <p:cNvPr id="1" name=""/>
+        <p:cNvGrpSpPr/>
+        <p:nvPr/>
+      </p:nvGrpSpPr>
+      <p:grpSpPr>
+        <a:xfrm>
+          <a:off x="0" y="0"/>
+          <a:ext cx="0" cy="0"/>
+          <a:chOff x="0" y="0"/>
+          <a:chExt cx="0" cy="0"/>
+        </a:xfrm>
+      </p:grpSpPr>
+      <p:sp>
+        <p:nvSpPr>
+          <p:cNvPr id="2" name="Slide Image Placeholder 1"/>
+          <p:cNvSpPr>
+            <a:spLocks noGrp="1" noRot="1" noChangeAspect="1"/>
+          </p:cNvSpPr>
+          <p:nvPr>
+            <p:ph type="sldImg"/>
+          </p:nvPr>
+        </p:nvSpPr>
+        <p:spPr/>
+      </p:sp>
+      <p:sp>
+        <p:nvSpPr>
+          <p:cNvPr id="3" name="Notes Placeholder 2"/>
+          <p:cNvSpPr>
+            <a:spLocks noGrp="1"/>
+          </p:cNvSpPr>
+          <p:nvPr>
+            <p:ph type="body" idx="1"/>
+          </p:nvPr>
+        </p:nvSpPr>
+        <p:spPr/>
+        <p:txBody>
+          <a:bodyPr/>
+          <a:lstStyle/>
+          <a:p>
+            <a:pPr algn="l"/>
+            <a:r>
+              <a:rPr lang="en-US" b="0" i="0" dirty="0">
+                <a:solidFill>
+                  <a:srgbClr val="222635"/>
+                </a:solidFill>
+                <a:effectLst/>
+                <a:latin typeface="Cambria" panose="02040503050406030204" pitchFamily="18" charset="0"/>
+              </a:rPr>
+              <a:t>For instance, if you apply a @NotNul </a:t>
+            </a:r>
+            <a:r>
+              <a:rPr lang="en-US" b="0" i="0" dirty="0" err="1">
+                <a:solidFill>
+                  <a:srgbClr val="222635"/>
+                </a:solidFill>
+                <a:effectLst/>
+                <a:latin typeface="Cambria" panose="02040503050406030204" pitchFamily="18" charset="0"/>
+              </a:rPr>
+              <a:t>lannotation</a:t>
+            </a:r>
+            <a:r>
+              <a:rPr lang="en-US" b="0" i="0" dirty="0">
+                <a:solidFill>
+                  <a:srgbClr val="222635"/>
+                </a:solidFill>
+                <a:effectLst/>
+                <a:latin typeface="Cambria" panose="02040503050406030204" pitchFamily="18" charset="0"/>
+              </a:rPr>
+              <a:t> which actually applies to the field, method, and constructor then it would get applied to the instance variable, the accessor method, and the constructor.</a:t>
+            </a:r>
+          </a:p>
+          <a:p>
+            <a:pPr algn="l"/>
+            <a:r>
+              <a:rPr lang="en-US" b="0" i="0" dirty="0">
+                <a:solidFill>
+                  <a:srgbClr val="222635"/>
+                </a:solidFill>
+                <a:effectLst/>
+                <a:latin typeface="Cambria" panose="02040503050406030204" pitchFamily="18" charset="0"/>
+              </a:rPr>
+              <a:t>However, in the case where you explicitly define an annotation on your custom-defined accessor method or canonical constructor, the annotations on these would only be applied to the corresponding method or constructor.</a:t>
+            </a:r>
+          </a:p>
+          <a:p>
+            <a:endParaRPr lang="en-IN" dirty="0"/>
+          </a:p>
+        </p:txBody>
+      </p:sp>
+      <p:sp>
+        <p:nvSpPr>
+          <p:cNvPr id="4" name="Slide Number Placeholder 3"/>
+          <p:cNvSpPr>
+            <a:spLocks noGrp="1"/>
+          </p:cNvSpPr>
+          <p:nvPr>
+            <p:ph type="sldNum" sz="quarter" idx="5"/>
+          </p:nvPr>
+        </p:nvSpPr>
+        <p:spPr/>
+        <p:txBody>
+          <a:bodyPr/>
+          <a:lstStyle/>
+          <a:p>
+            <a:fld id="{C6E4041A-54F1-41AE-B668-B0353CFB91C2}" type="slidenum">
+              <a:rPr lang="en-IN" smtClean="0"/>
+              <a:t>38</a:t>
+            </a:fld>
+            <a:endParaRPr lang="en-IN"/>
+          </a:p>
+        </p:txBody>
+      </p:sp>
+    </p:spTree>
+    <p:extLst>
+      <p:ext uri="{BB962C8B-B14F-4D97-AF65-F5344CB8AC3E}">
+        <p14:creationId xmlns:p14="http://schemas.microsoft.com/office/powerpoint/2010/main" val="2885487703"/>
+      </p:ext>
+    </p:extLst>
+  </p:cSld>
+  <p:clrMapOvr>
+    <a:masterClrMapping/>
+  </p:clrMapOvr>
+</p:notes>
+</file>
+
+<file path=ppt/notesSlides/notesSlide23.xml><?xml version="1.0" encoding="utf-8"?>
+<p:notes xmlns:a="http://schemas.openxmlformats.org/drawingml/2006/main" xmlns:r="http://schemas.openxmlformats.org/officeDocument/2006/relationships" xmlns:p="http://schemas.openxmlformats.org/presentationml/2006/main">
+  <p:cSld>
+    <p:spTree>
+      <p:nvGrpSpPr>
+        <p:cNvPr id="1" name=""/>
+        <p:cNvGrpSpPr/>
+        <p:nvPr/>
+      </p:nvGrpSpPr>
+      <p:grpSpPr>
+        <a:xfrm>
+          <a:off x="0" y="0"/>
+          <a:ext cx="0" cy="0"/>
+          <a:chOff x="0" y="0"/>
+          <a:chExt cx="0" cy="0"/>
+        </a:xfrm>
+      </p:grpSpPr>
+      <p:sp>
+        <p:nvSpPr>
+          <p:cNvPr id="2" name="Slide Image Placeholder 1"/>
+          <p:cNvSpPr>
+            <a:spLocks noGrp="1" noRot="1" noChangeAspect="1"/>
+          </p:cNvSpPr>
+          <p:nvPr>
+            <p:ph type="sldImg"/>
+          </p:nvPr>
+        </p:nvSpPr>
+        <p:spPr/>
+      </p:sp>
+      <p:sp>
+        <p:nvSpPr>
+          <p:cNvPr id="3" name="Notes Placeholder 2"/>
+          <p:cNvSpPr>
+            <a:spLocks noGrp="1"/>
+          </p:cNvSpPr>
+          <p:nvPr>
+            <p:ph type="body" idx="1"/>
+          </p:nvPr>
+        </p:nvSpPr>
+        <p:spPr/>
+        <p:txBody>
+          <a:bodyPr/>
+          <a:lstStyle/>
+          <a:p>
+            <a:r>
+              <a:rPr lang="en-US" b="0" i="0" dirty="0">
+                <a:solidFill>
+                  <a:srgbClr val="222635"/>
+                </a:solidFill>
+                <a:effectLst/>
+                <a:latin typeface="Cambria" panose="02040503050406030204" pitchFamily="18" charset="0"/>
+              </a:rPr>
+              <a:t>As you can see, I have created a local record class without any ceremony that you might require while creating a class. I have used it to store the intermediate result and then used it for comparison to have a more concise and readable code.</a:t>
+            </a:r>
+            <a:endParaRPr lang="en-IN" dirty="0"/>
+          </a:p>
+        </p:txBody>
+      </p:sp>
+      <p:sp>
+        <p:nvSpPr>
+          <p:cNvPr id="4" name="Slide Number Placeholder 3"/>
+          <p:cNvSpPr>
+            <a:spLocks noGrp="1"/>
+          </p:cNvSpPr>
+          <p:nvPr>
+            <p:ph type="sldNum" sz="quarter" idx="5"/>
+          </p:nvPr>
+        </p:nvSpPr>
+        <p:spPr/>
+        <p:txBody>
+          <a:bodyPr/>
+          <a:lstStyle/>
+          <a:p>
+            <a:fld id="{C6E4041A-54F1-41AE-B668-B0353CFB91C2}" type="slidenum">
+              <a:rPr lang="en-IN" smtClean="0"/>
+              <a:t>39</a:t>
+            </a:fld>
+            <a:endParaRPr lang="en-IN"/>
+          </a:p>
+        </p:txBody>
+      </p:sp>
+    </p:spTree>
+    <p:extLst>
+      <p:ext uri="{BB962C8B-B14F-4D97-AF65-F5344CB8AC3E}">
+        <p14:creationId xmlns:p14="http://schemas.microsoft.com/office/powerpoint/2010/main" val="3960531590"/>
+      </p:ext>
+    </p:extLst>
+  </p:cSld>
+  <p:clrMapOvr>
+    <a:masterClrMapping/>
+  </p:clrMapOvr>
+</p:notes>
+</file>
+
+<file path=ppt/notesSlides/notesSlide24.xml><?xml version="1.0" encoding="utf-8"?>
+<p:notes xmlns:a="http://schemas.openxmlformats.org/drawingml/2006/main" xmlns:r="http://schemas.openxmlformats.org/officeDocument/2006/relationships" xmlns:p="http://schemas.openxmlformats.org/presentationml/2006/main">
+  <p:cSld>
+    <p:spTree>
+      <p:nvGrpSpPr>
+        <p:cNvPr id="1" name=""/>
+        <p:cNvGrpSpPr/>
+        <p:nvPr/>
+      </p:nvGrpSpPr>
+      <p:grpSpPr>
+        <a:xfrm>
+          <a:off x="0" y="0"/>
+          <a:ext cx="0" cy="0"/>
+          <a:chOff x="0" y="0"/>
+          <a:chExt cx="0" cy="0"/>
+        </a:xfrm>
+      </p:grpSpPr>
+      <p:sp>
+        <p:nvSpPr>
+          <p:cNvPr id="2" name="Slide Image Placeholder 1"/>
+          <p:cNvSpPr>
+            <a:spLocks noGrp="1" noRot="1" noChangeAspect="1"/>
+          </p:cNvSpPr>
+          <p:nvPr>
+            <p:ph type="sldImg"/>
+          </p:nvPr>
+        </p:nvSpPr>
+        <p:spPr/>
+      </p:sp>
+      <p:sp>
+        <p:nvSpPr>
+          <p:cNvPr id="3" name="Notes Placeholder 2"/>
+          <p:cNvSpPr>
+            <a:spLocks noGrp="1"/>
+          </p:cNvSpPr>
+          <p:nvPr>
+            <p:ph type="body" idx="1"/>
+          </p:nvPr>
+        </p:nvSpPr>
+        <p:spPr/>
+        <p:txBody>
+          <a:bodyPr/>
+          <a:lstStyle/>
+          <a:p>
+            <a:r>
+              <a:rPr lang="en-US" b="0" i="0" dirty="0">
+                <a:solidFill>
+                  <a:srgbClr val="222222"/>
+                </a:solidFill>
+                <a:effectLst/>
+                <a:latin typeface="Open Sans" panose="020B0606030504020204" pitchFamily="34" charset="0"/>
+              </a:rPr>
+              <a:t>We had to replace line breaks and quotes with escape sequences (</a:t>
+            </a:r>
+            <a:r>
+              <a:rPr lang="en-US" dirty="0"/>
+              <a:t>\n</a:t>
+            </a:r>
+            <a:r>
+              <a:rPr lang="en-US" b="0" i="0" dirty="0">
+                <a:solidFill>
+                  <a:srgbClr val="222222"/>
+                </a:solidFill>
+                <a:effectLst/>
+                <a:latin typeface="Open Sans" panose="020B0606030504020204" pitchFamily="34" charset="0"/>
+              </a:rPr>
+              <a:t> and </a:t>
+            </a:r>
+            <a:r>
+              <a:rPr lang="en-US" dirty="0"/>
+              <a:t>\"</a:t>
+            </a:r>
+            <a:r>
+              <a:rPr lang="en-US" b="0" i="0" dirty="0">
+                <a:solidFill>
+                  <a:srgbClr val="222222"/>
+                </a:solidFill>
+                <a:effectLst/>
+                <a:latin typeface="Open Sans" panose="020B0606030504020204" pitchFamily="34" charset="0"/>
+              </a:rPr>
+              <a:t>). And to split the string into several lines in a somewhat readable way, we had to divide it and concatenate it again with +. That was not too bad (because the compiler made a single string out of it again), but it was not pleasant either.</a:t>
+            </a:r>
+            <a:endParaRPr lang="en-IN" dirty="0"/>
+          </a:p>
+        </p:txBody>
+      </p:sp>
+      <p:sp>
+        <p:nvSpPr>
+          <p:cNvPr id="4" name="Slide Number Placeholder 3"/>
+          <p:cNvSpPr>
+            <a:spLocks noGrp="1"/>
+          </p:cNvSpPr>
+          <p:nvPr>
+            <p:ph type="sldNum" sz="quarter" idx="5"/>
+          </p:nvPr>
+        </p:nvSpPr>
+        <p:spPr/>
+        <p:txBody>
+          <a:bodyPr/>
+          <a:lstStyle/>
+          <a:p>
+            <a:fld id="{C6E4041A-54F1-41AE-B668-B0353CFB91C2}" type="slidenum">
+              <a:rPr lang="en-IN" smtClean="0"/>
+              <a:t>40</a:t>
+            </a:fld>
+            <a:endParaRPr lang="en-IN"/>
+          </a:p>
+        </p:txBody>
+      </p:sp>
+    </p:spTree>
+    <p:extLst>
+      <p:ext uri="{BB962C8B-B14F-4D97-AF65-F5344CB8AC3E}">
+        <p14:creationId xmlns:p14="http://schemas.microsoft.com/office/powerpoint/2010/main" val="2284023183"/>
+      </p:ext>
+    </p:extLst>
+  </p:cSld>
+  <p:clrMapOvr>
+    <a:masterClrMapping/>
+  </p:clrMapOvr>
+</p:notes>
+</file>
+
+<file path=ppt/notesSlides/notesSlide25.xml><?xml version="1.0" encoding="utf-8"?>
+<p:notes xmlns:a="http://schemas.openxmlformats.org/drawingml/2006/main" xmlns:r="http://schemas.openxmlformats.org/officeDocument/2006/relationships" xmlns:p="http://schemas.openxmlformats.org/presentationml/2006/main">
+  <p:cSld>
+    <p:spTree>
+      <p:nvGrpSpPr>
+        <p:cNvPr id="1" name=""/>
+        <p:cNvGrpSpPr/>
+        <p:nvPr/>
+      </p:nvGrpSpPr>
+      <p:grpSpPr>
+        <a:xfrm>
+          <a:off x="0" y="0"/>
+          <a:ext cx="0" cy="0"/>
+          <a:chOff x="0" y="0"/>
+          <a:chExt cx="0" cy="0"/>
+        </a:xfrm>
+      </p:grpSpPr>
+      <p:sp>
+        <p:nvSpPr>
+          <p:cNvPr id="2" name="Slide Image Placeholder 1"/>
+          <p:cNvSpPr>
+            <a:spLocks noGrp="1" noRot="1" noChangeAspect="1"/>
+          </p:cNvSpPr>
+          <p:nvPr>
+            <p:ph type="sldImg"/>
+          </p:nvPr>
+        </p:nvSpPr>
+        <p:spPr/>
+      </p:sp>
+      <p:sp>
+        <p:nvSpPr>
+          <p:cNvPr id="3" name="Notes Placeholder 2"/>
+          <p:cNvSpPr>
+            <a:spLocks noGrp="1"/>
+          </p:cNvSpPr>
+          <p:nvPr>
+            <p:ph type="body" idx="1"/>
+          </p:nvPr>
+        </p:nvSpPr>
+        <p:spPr/>
+        <p:txBody>
+          <a:bodyPr/>
+          <a:lstStyle/>
+          <a:p>
+            <a:endParaRPr lang="en-IN" dirty="0"/>
+          </a:p>
+        </p:txBody>
+      </p:sp>
+      <p:sp>
+        <p:nvSpPr>
+          <p:cNvPr id="4" name="Slide Number Placeholder 3"/>
+          <p:cNvSpPr>
+            <a:spLocks noGrp="1"/>
+          </p:cNvSpPr>
+          <p:nvPr>
+            <p:ph type="sldNum" sz="quarter" idx="5"/>
+          </p:nvPr>
+        </p:nvSpPr>
+        <p:spPr/>
+        <p:txBody>
+          <a:bodyPr/>
+          <a:lstStyle/>
+          <a:p>
+            <a:fld id="{C6E4041A-54F1-41AE-B668-B0353CFB91C2}" type="slidenum">
+              <a:rPr lang="en-IN" smtClean="0"/>
+              <a:t>41</a:t>
+            </a:fld>
+            <a:endParaRPr lang="en-IN"/>
+          </a:p>
+        </p:txBody>
+      </p:sp>
+    </p:spTree>
+    <p:extLst>
+      <p:ext uri="{BB962C8B-B14F-4D97-AF65-F5344CB8AC3E}">
+        <p14:creationId xmlns:p14="http://schemas.microsoft.com/office/powerpoint/2010/main" val="4151372995"/>
+      </p:ext>
+    </p:extLst>
+  </p:cSld>
+  <p:clrMapOvr>
+    <a:masterClrMapping/>
+  </p:clrMapOvr>
+</p:notes>
+</file>
+
+<file path=ppt/notesSlides/notesSlide26.xml><?xml version="1.0" encoding="utf-8"?>
+<p:notes xmlns:a="http://schemas.openxmlformats.org/drawingml/2006/main" xmlns:r="http://schemas.openxmlformats.org/officeDocument/2006/relationships" xmlns:p="http://schemas.openxmlformats.org/presentationml/2006/main">
+  <p:cSld>
+    <p:spTree>
+      <p:nvGrpSpPr>
+        <p:cNvPr id="1" name=""/>
+        <p:cNvGrpSpPr/>
+        <p:nvPr/>
+      </p:nvGrpSpPr>
+      <p:grpSpPr>
+        <a:xfrm>
+          <a:off x="0" y="0"/>
+          <a:ext cx="0" cy="0"/>
+          <a:chOff x="0" y="0"/>
+          <a:chExt cx="0" cy="0"/>
+        </a:xfrm>
+      </p:grpSpPr>
+      <p:sp>
+        <p:nvSpPr>
+          <p:cNvPr id="2" name="Slide Image Placeholder 1"/>
+          <p:cNvSpPr>
+            <a:spLocks noGrp="1" noRot="1" noChangeAspect="1"/>
+          </p:cNvSpPr>
+          <p:nvPr>
+            <p:ph type="sldImg"/>
+          </p:nvPr>
+        </p:nvSpPr>
+        <p:spPr/>
+      </p:sp>
+      <p:sp>
+        <p:nvSpPr>
+          <p:cNvPr id="3" name="Notes Placeholder 2"/>
+          <p:cNvSpPr>
+            <a:spLocks noGrp="1"/>
+          </p:cNvSpPr>
+          <p:nvPr>
+            <p:ph type="body" idx="1"/>
+          </p:nvPr>
+        </p:nvSpPr>
+        <p:spPr/>
+        <p:txBody>
+          <a:bodyPr/>
+          <a:lstStyle/>
+          <a:p>
+            <a:r>
+              <a:rPr lang="en-US" b="0" i="0" dirty="0">
+                <a:solidFill>
+                  <a:srgbClr val="222222"/>
+                </a:solidFill>
+                <a:effectLst/>
+                <a:latin typeface="Open Sans" panose="020B0606030504020204" pitchFamily="34" charset="0"/>
+              </a:rPr>
+              <a:t>All three strings have the following content – regardless of the indentation in the source code:</a:t>
+            </a:r>
+          </a:p>
+          <a:p>
+            <a:r>
+              <a:rPr lang="en-US" b="0" i="0" dirty="0">
+                <a:solidFill>
+                  <a:srgbClr val="F8F8F2"/>
+                </a:solidFill>
+                <a:effectLst/>
+                <a:latin typeface="Hack"/>
+              </a:rPr>
+              <a:t>SELECT id, </a:t>
+            </a:r>
+            <a:r>
+              <a:rPr lang="en-US" b="0" i="0" dirty="0" err="1">
+                <a:solidFill>
+                  <a:srgbClr val="F8F8F2"/>
+                </a:solidFill>
+                <a:effectLst/>
+                <a:latin typeface="Hack"/>
+              </a:rPr>
+              <a:t>firstName</a:t>
+            </a:r>
+            <a:r>
+              <a:rPr lang="en-US" b="0" i="0" dirty="0">
+                <a:solidFill>
+                  <a:srgbClr val="F8F8F2"/>
+                </a:solidFill>
+                <a:effectLst/>
+                <a:latin typeface="Hack"/>
+              </a:rPr>
+              <a:t>, </a:t>
+            </a:r>
+            <a:r>
+              <a:rPr lang="en-US" b="0" i="0" dirty="0" err="1">
+                <a:solidFill>
+                  <a:srgbClr val="F8F8F2"/>
+                </a:solidFill>
+                <a:effectLst/>
+                <a:latin typeface="Hack"/>
+              </a:rPr>
+              <a:t>lastName</a:t>
+            </a:r>
+            <a:r>
+              <a:rPr lang="en-US" b="0" i="0" dirty="0">
+                <a:solidFill>
+                  <a:srgbClr val="F8F8F2"/>
+                </a:solidFill>
+                <a:effectLst/>
+                <a:latin typeface="Hack"/>
+              </a:rPr>
+              <a:t> FROM Employee WHERE </a:t>
+            </a:r>
+            <a:r>
+              <a:rPr lang="en-US" b="0" i="0" dirty="0" err="1">
+                <a:solidFill>
+                  <a:srgbClr val="F8F8F2"/>
+                </a:solidFill>
+                <a:effectLst/>
+                <a:latin typeface="Hack"/>
+              </a:rPr>
+              <a:t>departmentId</a:t>
+            </a:r>
+            <a:r>
+              <a:rPr lang="en-US" b="0" i="0" dirty="0">
+                <a:solidFill>
+                  <a:srgbClr val="F8F8F2"/>
+                </a:solidFill>
+                <a:effectLst/>
+                <a:latin typeface="Hack"/>
+              </a:rPr>
+              <a:t> = "IT" ORDER BY </a:t>
+            </a:r>
+            <a:r>
+              <a:rPr lang="en-US" b="0" i="0" dirty="0" err="1">
+                <a:solidFill>
+                  <a:srgbClr val="F8F8F2"/>
+                </a:solidFill>
+                <a:effectLst/>
+                <a:latin typeface="Hack"/>
+              </a:rPr>
+              <a:t>lastName</a:t>
+            </a:r>
+            <a:r>
+              <a:rPr lang="en-US" b="0" i="0" dirty="0">
+                <a:solidFill>
+                  <a:srgbClr val="F8F8F2"/>
+                </a:solidFill>
+                <a:effectLst/>
+                <a:latin typeface="Hack"/>
+              </a:rPr>
+              <a:t>, </a:t>
+            </a:r>
+            <a:r>
+              <a:rPr lang="en-US" b="0" i="0" dirty="0" err="1">
+                <a:solidFill>
+                  <a:srgbClr val="F8F8F2"/>
+                </a:solidFill>
+                <a:effectLst/>
+                <a:latin typeface="Hack"/>
+              </a:rPr>
+              <a:t>firstName</a:t>
+            </a:r>
+            <a:endParaRPr lang="en-IN" dirty="0"/>
+          </a:p>
+        </p:txBody>
+      </p:sp>
+      <p:sp>
+        <p:nvSpPr>
+          <p:cNvPr id="4" name="Slide Number Placeholder 3"/>
+          <p:cNvSpPr>
+            <a:spLocks noGrp="1"/>
+          </p:cNvSpPr>
+          <p:nvPr>
+            <p:ph type="sldNum" sz="quarter" idx="5"/>
+          </p:nvPr>
+        </p:nvSpPr>
+        <p:spPr/>
+        <p:txBody>
+          <a:bodyPr/>
+          <a:lstStyle/>
+          <a:p>
+            <a:fld id="{C6E4041A-54F1-41AE-B668-B0353CFB91C2}" type="slidenum">
+              <a:rPr lang="en-IN" smtClean="0"/>
+              <a:t>42</a:t>
+            </a:fld>
+            <a:endParaRPr lang="en-IN"/>
+          </a:p>
+        </p:txBody>
+      </p:sp>
+    </p:spTree>
+    <p:extLst>
+      <p:ext uri="{BB962C8B-B14F-4D97-AF65-F5344CB8AC3E}">
+        <p14:creationId xmlns:p14="http://schemas.microsoft.com/office/powerpoint/2010/main" val="311020164"/>
+      </p:ext>
+    </p:extLst>
+  </p:cSld>
+  <p:clrMapOvr>
+    <a:masterClrMapping/>
+  </p:clrMapOvr>
+</p:notes>
+</file>
+
 <file path=ppt/notesSlides/notesSlide3.xml><?xml version="1.0" encoding="utf-8"?>
 <p:notes xmlns:a="http://schemas.openxmlformats.org/drawingml/2006/main" xmlns:r="http://schemas.openxmlformats.org/officeDocument/2006/relationships" xmlns:p="http://schemas.openxmlformats.org/presentationml/2006/main">
   <p:cSld>
@@ -2731,7 +3562,7 @@
           <a:p>
             <a:fld id="{71A8B9BB-9AEB-4F21-A3F9-82125C8F4B96}" type="datetimeFigureOut">
               <a:rPr lang="en-IN" smtClean="0"/>
-              <a:t>07-06-2023</a:t>
+              <a:t>08-06-2023</a:t>
             </a:fld>
             <a:endParaRPr lang="en-IN"/>
           </a:p>
@@ -2931,7 +3762,7 @@
           <a:p>
             <a:fld id="{71A8B9BB-9AEB-4F21-A3F9-82125C8F4B96}" type="datetimeFigureOut">
               <a:rPr lang="en-IN" smtClean="0"/>
-              <a:t>07-06-2023</a:t>
+              <a:t>08-06-2023</a:t>
             </a:fld>
             <a:endParaRPr lang="en-IN"/>
           </a:p>
@@ -3141,7 +3972,7 @@
           <a:p>
             <a:fld id="{71A8B9BB-9AEB-4F21-A3F9-82125C8F4B96}" type="datetimeFigureOut">
               <a:rPr lang="en-IN" smtClean="0"/>
-              <a:t>07-06-2023</a:t>
+              <a:t>08-06-2023</a:t>
             </a:fld>
             <a:endParaRPr lang="en-IN"/>
           </a:p>
@@ -3341,7 +4172,7 @@
           <a:p>
             <a:fld id="{71A8B9BB-9AEB-4F21-A3F9-82125C8F4B96}" type="datetimeFigureOut">
               <a:rPr lang="en-IN" smtClean="0"/>
-              <a:t>07-06-2023</a:t>
+              <a:t>08-06-2023</a:t>
             </a:fld>
             <a:endParaRPr lang="en-IN"/>
           </a:p>
@@ -3617,7 +4448,7 @@
           <a:p>
             <a:fld id="{71A8B9BB-9AEB-4F21-A3F9-82125C8F4B96}" type="datetimeFigureOut">
               <a:rPr lang="en-IN" smtClean="0"/>
-              <a:t>07-06-2023</a:t>
+              <a:t>08-06-2023</a:t>
             </a:fld>
             <a:endParaRPr lang="en-IN"/>
           </a:p>
@@ -3885,7 +4716,7 @@
           <a:p>
             <a:fld id="{71A8B9BB-9AEB-4F21-A3F9-82125C8F4B96}" type="datetimeFigureOut">
               <a:rPr lang="en-IN" smtClean="0"/>
-              <a:t>07-06-2023</a:t>
+              <a:t>08-06-2023</a:t>
             </a:fld>
             <a:endParaRPr lang="en-IN"/>
           </a:p>
@@ -4300,7 +5131,7 @@
           <a:p>
             <a:fld id="{71A8B9BB-9AEB-4F21-A3F9-82125C8F4B96}" type="datetimeFigureOut">
               <a:rPr lang="en-IN" smtClean="0"/>
-              <a:t>07-06-2023</a:t>
+              <a:t>08-06-2023</a:t>
             </a:fld>
             <a:endParaRPr lang="en-IN"/>
           </a:p>
@@ -4442,7 +5273,7 @@
           <a:p>
             <a:fld id="{71A8B9BB-9AEB-4F21-A3F9-82125C8F4B96}" type="datetimeFigureOut">
               <a:rPr lang="en-IN" smtClean="0"/>
-              <a:t>07-06-2023</a:t>
+              <a:t>08-06-2023</a:t>
             </a:fld>
             <a:endParaRPr lang="en-IN"/>
           </a:p>
@@ -4555,7 +5386,7 @@
           <a:p>
             <a:fld id="{71A8B9BB-9AEB-4F21-A3F9-82125C8F4B96}" type="datetimeFigureOut">
               <a:rPr lang="en-IN" smtClean="0"/>
-              <a:t>07-06-2023</a:t>
+              <a:t>08-06-2023</a:t>
             </a:fld>
             <a:endParaRPr lang="en-IN"/>
           </a:p>
@@ -4868,7 +5699,7 @@
           <a:p>
             <a:fld id="{71A8B9BB-9AEB-4F21-A3F9-82125C8F4B96}" type="datetimeFigureOut">
               <a:rPr lang="en-IN" smtClean="0"/>
-              <a:t>07-06-2023</a:t>
+              <a:t>08-06-2023</a:t>
             </a:fld>
             <a:endParaRPr lang="en-IN"/>
           </a:p>
@@ -5157,7 +5988,7 @@
           <a:p>
             <a:fld id="{71A8B9BB-9AEB-4F21-A3F9-82125C8F4B96}" type="datetimeFigureOut">
               <a:rPr lang="en-IN" smtClean="0"/>
-              <a:t>07-06-2023</a:t>
+              <a:t>08-06-2023</a:t>
             </a:fld>
             <a:endParaRPr lang="en-IN"/>
           </a:p>
@@ -5400,7 +6231,7 @@
           <a:p>
             <a:fld id="{71A8B9BB-9AEB-4F21-A3F9-82125C8F4B96}" type="datetimeFigureOut">
               <a:rPr lang="en-IN" smtClean="0"/>
-              <a:t>07-06-2023</a:t>
+              <a:t>08-06-2023</a:t>
             </a:fld>
             <a:endParaRPr lang="en-IN"/>
           </a:p>
@@ -6635,48 +7466,19 @@
           <a:p>
             <a:r>
               <a:rPr lang="en-IN" dirty="0"/>
-              <a:t>Strongly Encapsulate JDK Internals</a:t>
+              <a:t>Pattern Matching in Switch</a:t>
             </a:r>
           </a:p>
           <a:p>
             <a:r>
               <a:rPr lang="en-IN" dirty="0"/>
-              <a:t>Add </a:t>
-            </a:r>
-            <a:r>
-              <a:rPr lang="en-IN" dirty="0" err="1"/>
-              <a:t>java.time.InstantSource</a:t>
-            </a:r>
-            <a:endParaRPr lang="en-IN" dirty="0"/>
+              <a:t>Record</a:t>
+            </a:r>
           </a:p>
           <a:p>
             <a:r>
               <a:rPr lang="en-IN" dirty="0"/>
-              <a:t>Hex Formatting and Parsing Utility</a:t>
-            </a:r>
-          </a:p>
-          <a:p>
-            <a:r>
-              <a:rPr lang="en-IN" dirty="0"/>
-              <a:t>Context-Specific Deserialization Filters</a:t>
-            </a:r>
-          </a:p>
-          <a:p>
-            <a:r>
-              <a:rPr lang="en-IN" dirty="0"/>
-              <a:t>Enhanced Pseudo-Random Number Generators</a:t>
-            </a:r>
-          </a:p>
-          <a:p>
-            <a:r>
-              <a:rPr lang="en-IN" dirty="0"/>
-              <a:t>Performance</a:t>
-            </a:r>
-          </a:p>
-          <a:p>
-            <a:r>
-              <a:rPr lang="en-IN" dirty="0"/>
-              <a:t>Preview and Incubator Features</a:t>
+              <a:t>String Text Blocks</a:t>
             </a:r>
           </a:p>
         </p:txBody>
@@ -7298,123 +8100,117 @@
           </a:bodyPr>
           <a:lstStyle/>
           <a:p>
-            <a:r>
-              <a:rPr lang="en-US" sz="2400" dirty="0"/>
+            <a:pPr marL="0" indent="0">
+              <a:buNone/>
+            </a:pPr>
+            <a:r>
+              <a:rPr lang="en-US" sz="2000" dirty="0"/>
               <a:t>Why Restrict the Extensibility of a Class Hierarchy?</a:t>
             </a:r>
-            <a:endParaRPr lang="en-US" sz="1600" b="0" i="0" dirty="0">
+            <a:endParaRPr lang="en-US" sz="2000" b="0" i="0" dirty="0">
               <a:solidFill>
                 <a:srgbClr val="444444"/>
               </a:solidFill>
               <a:effectLst/>
-              <a:latin typeface="Open Sans" panose="020B0606030504020204" pitchFamily="34" charset="0"/>
             </a:endParaRPr>
           </a:p>
           <a:p>
-            <a:pPr lvl="1"/>
-            <a:r>
-              <a:rPr lang="en-US" sz="1200" dirty="0">
+            <a:pPr marL="457200" lvl="1" indent="0">
+              <a:buNone/>
+            </a:pPr>
+            <a:r>
+              <a:rPr lang="en-US" sz="2000" dirty="0">
                 <a:solidFill>
                   <a:srgbClr val="444444"/>
                 </a:solidFill>
-                <a:latin typeface="Open Sans" panose="020B0606030504020204" pitchFamily="34" charset="0"/>
               </a:rPr>
               <a:t>There may be several reasons why we want to restrict the free extensibility of our class hierarchy:</a:t>
             </a:r>
           </a:p>
           <a:p>
-            <a:pPr lvl="1"/>
-            <a:r>
-              <a:rPr lang="en-US" sz="1200" dirty="0">
+            <a:pPr lvl="2"/>
+            <a:r>
+              <a:rPr lang="en-US" dirty="0">
                 <a:solidFill>
                   <a:srgbClr val="444444"/>
                 </a:solidFill>
-                <a:latin typeface="Open Sans" panose="020B0606030504020204" pitchFamily="34" charset="0"/>
               </a:rPr>
               <a:t>We want to protect the internal state of a class or a hierarchy of classes and not have it manipulated inconsistently by a child class.</a:t>
             </a:r>
           </a:p>
           <a:p>
-            <a:pPr lvl="1"/>
-            <a:r>
-              <a:rPr lang="en-US" sz="1200" dirty="0">
+            <a:pPr lvl="2"/>
+            <a:r>
+              <a:rPr lang="en-US" dirty="0">
                 <a:solidFill>
                   <a:srgbClr val="444444"/>
                 </a:solidFill>
-                <a:latin typeface="Open Sans" panose="020B0606030504020204" pitchFamily="34" charset="0"/>
               </a:rPr>
               <a:t>We want to protect internal objects whose thread safety is guaranteed by our class or class hierarchy from being published so that foreign code cannot compromise thread safety.</a:t>
             </a:r>
           </a:p>
           <a:p>
-            <a:pPr lvl="1"/>
-            <a:r>
-              <a:rPr lang="en-US" sz="1200" dirty="0">
+            <a:pPr lvl="2"/>
+            <a:r>
+              <a:rPr lang="en-US" dirty="0">
                 <a:solidFill>
                   <a:srgbClr val="444444"/>
                 </a:solidFill>
-                <a:latin typeface="Open Sans" panose="020B0606030504020204" pitchFamily="34" charset="0"/>
               </a:rPr>
               <a:t>We want to ensure that the </a:t>
             </a:r>
             <a:r>
-              <a:rPr lang="en-US" sz="1200" dirty="0" err="1">
+              <a:rPr lang="en-US" dirty="0" err="1">
                 <a:solidFill>
                   <a:srgbClr val="444444"/>
                 </a:solidFill>
-                <a:latin typeface="Open Sans" panose="020B0606030504020204" pitchFamily="34" charset="0"/>
               </a:rPr>
               <a:t>Liskov</a:t>
             </a:r>
             <a:r>
-              <a:rPr lang="en-US" sz="1200" dirty="0">
+              <a:rPr lang="en-US" dirty="0">
                 <a:solidFill>
                   <a:srgbClr val="444444"/>
                 </a:solidFill>
-                <a:latin typeface="Open Sans" panose="020B0606030504020204" pitchFamily="34" charset="0"/>
               </a:rPr>
               <a:t> substitution principle (LSP) is not violated. That is, we don't want a developer to implement a derived class that breaks the API contract of the parent class.</a:t>
             </a:r>
           </a:p>
           <a:p>
-            <a:endParaRPr lang="en-US" sz="1600" b="0" i="0" dirty="0">
+            <a:endParaRPr lang="en-US" sz="2000" b="0" i="0" dirty="0">
               <a:solidFill>
                 <a:srgbClr val="444444"/>
               </a:solidFill>
               <a:effectLst/>
-              <a:latin typeface="Open Sans" panose="020B0606030504020204" pitchFamily="34" charset="0"/>
             </a:endParaRPr>
           </a:p>
           <a:p>
-            <a:endParaRPr lang="en-US" sz="1600" dirty="0">
+            <a:endParaRPr lang="en-US" sz="2000" dirty="0">
               <a:solidFill>
                 <a:srgbClr val="444444"/>
               </a:solidFill>
-              <a:latin typeface="Open Sans" panose="020B0606030504020204" pitchFamily="34" charset="0"/>
             </a:endParaRPr>
           </a:p>
           <a:p>
-            <a:endParaRPr lang="en-US" sz="1600" b="0" i="0" dirty="0">
+            <a:endParaRPr lang="en-US" sz="2000" b="0" i="0" dirty="0">
               <a:solidFill>
                 <a:srgbClr val="444444"/>
               </a:solidFill>
               <a:effectLst/>
-              <a:latin typeface="Open Sans" panose="020B0606030504020204" pitchFamily="34" charset="0"/>
             </a:endParaRPr>
           </a:p>
           <a:p>
-            <a:endParaRPr lang="en-US" sz="1600" dirty="0">
+            <a:endParaRPr lang="en-US" sz="2000" dirty="0">
               <a:solidFill>
                 <a:srgbClr val="444444"/>
               </a:solidFill>
-              <a:latin typeface="Open Sans" panose="020B0606030504020204" pitchFamily="34" charset="0"/>
             </a:endParaRPr>
           </a:p>
           <a:p>
             <a:pPr marL="0" indent="0">
               <a:buNone/>
             </a:pPr>
-            <a:endParaRPr lang="en-US" sz="2400" dirty="0"/>
+            <a:endParaRPr lang="en-US" sz="2000" dirty="0"/>
           </a:p>
         </p:txBody>
       </p:sp>
@@ -9074,6 +9870,683 @@
 </p:sld>
 </file>
 
+<file path=ppt/slides/slide27.xml><?xml version="1.0" encoding="utf-8"?>
+<p:sld xmlns:a="http://schemas.openxmlformats.org/drawingml/2006/main" xmlns:r="http://schemas.openxmlformats.org/officeDocument/2006/relationships" xmlns:p="http://schemas.openxmlformats.org/presentationml/2006/main">
+  <p:cSld>
+    <p:spTree>
+      <p:nvGrpSpPr>
+        <p:cNvPr id="1" name=""/>
+        <p:cNvGrpSpPr/>
+        <p:nvPr/>
+      </p:nvGrpSpPr>
+      <p:grpSpPr>
+        <a:xfrm>
+          <a:off x="0" y="0"/>
+          <a:ext cx="0" cy="0"/>
+          <a:chOff x="0" y="0"/>
+          <a:chExt cx="0" cy="0"/>
+        </a:xfrm>
+      </p:grpSpPr>
+      <p:sp>
+        <p:nvSpPr>
+          <p:cNvPr id="2" name="Title 1">
+            <a:extLst>
+              <a:ext uri="{FF2B5EF4-FFF2-40B4-BE49-F238E27FC236}">
+                <a16:creationId xmlns:a16="http://schemas.microsoft.com/office/drawing/2014/main" id="{E9CF25A5-5DE5-C5B9-38D0-5D97E20F7122}"/>
+              </a:ext>
+            </a:extLst>
+          </p:cNvPr>
+          <p:cNvSpPr>
+            <a:spLocks noGrp="1"/>
+          </p:cNvSpPr>
+          <p:nvPr>
+            <p:ph type="title"/>
+          </p:nvPr>
+        </p:nvSpPr>
+        <p:spPr/>
+        <p:txBody>
+          <a:bodyPr/>
+          <a:lstStyle/>
+          <a:p>
+            <a:r>
+              <a:rPr lang="en-IN" dirty="0"/>
+              <a:t>Pattern Matching in Switch</a:t>
+            </a:r>
+            <a:br>
+              <a:rPr lang="en-IN" dirty="0"/>
+            </a:br>
+            <a:endParaRPr lang="en-IN" dirty="0"/>
+          </a:p>
+        </p:txBody>
+      </p:sp>
+      <p:sp>
+        <p:nvSpPr>
+          <p:cNvPr id="3" name="Content Placeholder 2">
+            <a:extLst>
+              <a:ext uri="{FF2B5EF4-FFF2-40B4-BE49-F238E27FC236}">
+                <a16:creationId xmlns:a16="http://schemas.microsoft.com/office/drawing/2014/main" id="{B308CB96-C210-E087-BB0C-C53AC226BB81}"/>
+              </a:ext>
+            </a:extLst>
+          </p:cNvPr>
+          <p:cNvSpPr>
+            <a:spLocks noGrp="1"/>
+          </p:cNvSpPr>
+          <p:nvPr>
+            <p:ph idx="1"/>
+          </p:nvPr>
+        </p:nvSpPr>
+        <p:spPr/>
+        <p:txBody>
+          <a:bodyPr>
+            <a:normAutofit/>
+          </a:bodyPr>
+          <a:lstStyle/>
+          <a:p>
+            <a:r>
+              <a:rPr lang="en-US" sz="2000" dirty="0"/>
+              <a:t>In Java 17,Pattern Matching for switch has been introduced as a preview language feature, which allows case labels with patterns rather than just constants. </a:t>
+            </a:r>
+          </a:p>
+          <a:p>
+            <a:r>
+              <a:rPr lang="en-US" sz="2000" dirty="0"/>
+              <a:t>Here is an example showing how you can match on type patterns:</a:t>
+            </a:r>
+          </a:p>
+          <a:p>
+            <a:pPr marL="457200" lvl="1" indent="0">
+              <a:buNone/>
+            </a:pPr>
+            <a:r>
+              <a:rPr lang="en-US" sz="1600" dirty="0"/>
+              <a:t>public static String </a:t>
+            </a:r>
+            <a:r>
+              <a:rPr lang="en-US" sz="1600" dirty="0" err="1"/>
+              <a:t>typedPatternMatching</a:t>
+            </a:r>
+            <a:r>
+              <a:rPr lang="en-US" sz="1600" dirty="0"/>
+              <a:t>(Object o) {</a:t>
+            </a:r>
+          </a:p>
+          <a:p>
+            <a:pPr marL="457200" lvl="1" indent="0">
+              <a:buNone/>
+            </a:pPr>
+            <a:r>
+              <a:rPr lang="en-US" sz="1600" dirty="0"/>
+              <a:t>  return switch(o) {</a:t>
+            </a:r>
+          </a:p>
+          <a:p>
+            <a:pPr marL="457200" lvl="1" indent="0">
+              <a:buNone/>
+            </a:pPr>
+            <a:r>
+              <a:rPr lang="en-US" sz="1600" dirty="0"/>
+              <a:t>    case null      -&gt; "I am null";</a:t>
+            </a:r>
+          </a:p>
+          <a:p>
+            <a:pPr marL="457200" lvl="1" indent="0">
+              <a:buNone/>
+            </a:pPr>
+            <a:r>
+              <a:rPr lang="en-US" sz="1600" dirty="0"/>
+              <a:t>    case String s  -&gt; "I am a String. My value is " + s;</a:t>
+            </a:r>
+          </a:p>
+          <a:p>
+            <a:pPr marL="457200" lvl="1" indent="0">
+              <a:buNone/>
+            </a:pPr>
+            <a:r>
+              <a:rPr lang="en-US" sz="1600" dirty="0"/>
+              <a:t>    case Integer </a:t>
+            </a:r>
+            <a:r>
+              <a:rPr lang="en-US" sz="1600" dirty="0" err="1"/>
+              <a:t>i</a:t>
+            </a:r>
+            <a:r>
+              <a:rPr lang="en-US" sz="1600" dirty="0"/>
+              <a:t> -&gt; "I am an int. My value is " + </a:t>
+            </a:r>
+            <a:r>
+              <a:rPr lang="en-US" sz="1600" dirty="0" err="1"/>
+              <a:t>i</a:t>
+            </a:r>
+            <a:r>
+              <a:rPr lang="en-US" sz="1600" dirty="0"/>
+              <a:t>;</a:t>
+            </a:r>
+          </a:p>
+          <a:p>
+            <a:pPr marL="457200" lvl="1" indent="0">
+              <a:buNone/>
+            </a:pPr>
+            <a:r>
+              <a:rPr lang="en-US" sz="1600" dirty="0"/>
+              <a:t>    default        -&gt; "I am of an unknown type. My value is " + </a:t>
+            </a:r>
+            <a:r>
+              <a:rPr lang="en-US" sz="1600" dirty="0" err="1"/>
+              <a:t>o.toString</a:t>
+            </a:r>
+            <a:r>
+              <a:rPr lang="en-US" sz="1600" dirty="0"/>
+              <a:t>();</a:t>
+            </a:r>
+          </a:p>
+          <a:p>
+            <a:pPr marL="457200" lvl="1" indent="0">
+              <a:buNone/>
+            </a:pPr>
+            <a:r>
+              <a:rPr lang="en-US" sz="1600" dirty="0"/>
+              <a:t>  };</a:t>
+            </a:r>
+          </a:p>
+          <a:p>
+            <a:pPr marL="457200" lvl="1" indent="0">
+              <a:buNone/>
+            </a:pPr>
+            <a:r>
+              <a:rPr lang="en-US" sz="1600" dirty="0"/>
+              <a:t>}</a:t>
+            </a:r>
+            <a:endParaRPr lang="en-IN" sz="1600" dirty="0"/>
+          </a:p>
+          <a:p>
+            <a:pPr marL="457200" lvl="1" indent="0">
+              <a:buNone/>
+            </a:pPr>
+            <a:endParaRPr lang="en-US" sz="1600" dirty="0"/>
+          </a:p>
+        </p:txBody>
+      </p:sp>
+    </p:spTree>
+    <p:extLst>
+      <p:ext uri="{BB962C8B-B14F-4D97-AF65-F5344CB8AC3E}">
+        <p14:creationId xmlns:p14="http://schemas.microsoft.com/office/powerpoint/2010/main" val="4019623747"/>
+      </p:ext>
+    </p:extLst>
+  </p:cSld>
+  <p:clrMapOvr>
+    <a:masterClrMapping/>
+  </p:clrMapOvr>
+</p:sld>
+</file>
+
+<file path=ppt/slides/slide28.xml><?xml version="1.0" encoding="utf-8"?>
+<p:sld xmlns:a="http://schemas.openxmlformats.org/drawingml/2006/main" xmlns:r="http://schemas.openxmlformats.org/officeDocument/2006/relationships" xmlns:p="http://schemas.openxmlformats.org/presentationml/2006/main">
+  <p:cSld>
+    <p:spTree>
+      <p:nvGrpSpPr>
+        <p:cNvPr id="1" name=""/>
+        <p:cNvGrpSpPr/>
+        <p:nvPr/>
+      </p:nvGrpSpPr>
+      <p:grpSpPr>
+        <a:xfrm>
+          <a:off x="0" y="0"/>
+          <a:ext cx="0" cy="0"/>
+          <a:chOff x="0" y="0"/>
+          <a:chExt cx="0" cy="0"/>
+        </a:xfrm>
+      </p:grpSpPr>
+      <p:sp>
+        <p:nvSpPr>
+          <p:cNvPr id="2" name="Title 1">
+            <a:extLst>
+              <a:ext uri="{FF2B5EF4-FFF2-40B4-BE49-F238E27FC236}">
+                <a16:creationId xmlns:a16="http://schemas.microsoft.com/office/drawing/2014/main" id="{E9CF25A5-5DE5-C5B9-38D0-5D97E20F7122}"/>
+              </a:ext>
+            </a:extLst>
+          </p:cNvPr>
+          <p:cNvSpPr>
+            <a:spLocks noGrp="1"/>
+          </p:cNvSpPr>
+          <p:nvPr>
+            <p:ph type="title"/>
+          </p:nvPr>
+        </p:nvSpPr>
+        <p:spPr/>
+        <p:txBody>
+          <a:bodyPr/>
+          <a:lstStyle/>
+          <a:p>
+            <a:r>
+              <a:rPr lang="en-IN" dirty="0"/>
+              <a:t>Pattern Matching in Switch</a:t>
+            </a:r>
+            <a:br>
+              <a:rPr lang="en-IN" dirty="0"/>
+            </a:br>
+            <a:endParaRPr lang="en-IN" dirty="0"/>
+          </a:p>
+        </p:txBody>
+      </p:sp>
+      <p:sp>
+        <p:nvSpPr>
+          <p:cNvPr id="3" name="Content Placeholder 2">
+            <a:extLst>
+              <a:ext uri="{FF2B5EF4-FFF2-40B4-BE49-F238E27FC236}">
+                <a16:creationId xmlns:a16="http://schemas.microsoft.com/office/drawing/2014/main" id="{B308CB96-C210-E087-BB0C-C53AC226BB81}"/>
+              </a:ext>
+            </a:extLst>
+          </p:cNvPr>
+          <p:cNvSpPr>
+            <a:spLocks noGrp="1"/>
+          </p:cNvSpPr>
+          <p:nvPr>
+            <p:ph idx="1"/>
+          </p:nvPr>
+        </p:nvSpPr>
+        <p:spPr/>
+        <p:txBody>
+          <a:bodyPr>
+            <a:normAutofit/>
+          </a:bodyPr>
+          <a:lstStyle/>
+          <a:p>
+            <a:r>
+              <a:rPr lang="en-US" sz="2000" dirty="0"/>
+              <a:t>We can also use a guarded pattern in order to refine a pattern so that it is only matched on certain conditions, for example:</a:t>
+            </a:r>
+          </a:p>
+          <a:p>
+            <a:pPr marL="457200" lvl="1" indent="0">
+              <a:buNone/>
+            </a:pPr>
+            <a:r>
+              <a:rPr lang="en-US" sz="1200" dirty="0"/>
+              <a:t>public static String </a:t>
+            </a:r>
+            <a:r>
+              <a:rPr lang="en-US" sz="1200" dirty="0" err="1"/>
+              <a:t>guardedPattern</a:t>
+            </a:r>
+            <a:r>
+              <a:rPr lang="en-US" sz="1200" dirty="0"/>
+              <a:t>(Collection&lt;String&gt; </a:t>
+            </a:r>
+            <a:r>
+              <a:rPr lang="en-US" sz="1200" dirty="0" err="1"/>
+              <a:t>coll</a:t>
+            </a:r>
+            <a:r>
+              <a:rPr lang="en-US" sz="1200" dirty="0"/>
+              <a:t>) {</a:t>
+            </a:r>
+          </a:p>
+          <a:p>
+            <a:pPr marL="457200" lvl="1" indent="0">
+              <a:buNone/>
+            </a:pPr>
+            <a:r>
+              <a:rPr lang="en-US" sz="1200" dirty="0"/>
+              <a:t>  return switch(</a:t>
+            </a:r>
+            <a:r>
+              <a:rPr lang="en-US" sz="1200" dirty="0" err="1"/>
+              <a:t>coll</a:t>
+            </a:r>
+            <a:r>
+              <a:rPr lang="en-US" sz="1200" dirty="0"/>
+              <a:t>) {</a:t>
+            </a:r>
+          </a:p>
+          <a:p>
+            <a:pPr marL="457200" lvl="1" indent="0">
+              <a:buNone/>
+            </a:pPr>
+            <a:r>
+              <a:rPr lang="en-US" sz="1200" dirty="0"/>
+              <a:t>    case List </a:t>
+            </a:r>
+            <a:r>
+              <a:rPr lang="en-US" sz="1200" dirty="0" err="1"/>
+              <a:t>list</a:t>
+            </a:r>
+            <a:r>
+              <a:rPr lang="en-US" sz="1200" dirty="0"/>
+              <a:t> &amp;&amp; (</a:t>
+            </a:r>
+            <a:r>
+              <a:rPr lang="en-US" sz="1200" dirty="0" err="1"/>
+              <a:t>list.size</a:t>
+            </a:r>
+            <a:r>
+              <a:rPr lang="en-US" sz="1200" dirty="0"/>
+              <a:t>() &gt; 10) -&gt; </a:t>
+            </a:r>
+          </a:p>
+          <a:p>
+            <a:pPr marL="457200" lvl="1" indent="0">
+              <a:buNone/>
+            </a:pPr>
+            <a:r>
+              <a:rPr lang="en-US" sz="1200" dirty="0"/>
+              <a:t>        "I am a big List. My size is " + </a:t>
+            </a:r>
+            <a:r>
+              <a:rPr lang="en-US" sz="1200" dirty="0" err="1"/>
+              <a:t>list.size</a:t>
+            </a:r>
+            <a:r>
+              <a:rPr lang="en-US" sz="1200" dirty="0"/>
+              <a:t>();</a:t>
+            </a:r>
+          </a:p>
+          <a:p>
+            <a:pPr marL="457200" lvl="1" indent="0">
+              <a:buNone/>
+            </a:pPr>
+            <a:r>
+              <a:rPr lang="en-US" sz="1200" dirty="0"/>
+              <a:t>    case List </a:t>
+            </a:r>
+            <a:r>
+              <a:rPr lang="en-US" sz="1200" dirty="0" err="1"/>
+              <a:t>list</a:t>
+            </a:r>
+            <a:r>
+              <a:rPr lang="en-US" sz="1200" dirty="0"/>
+              <a:t> -&gt; </a:t>
+            </a:r>
+          </a:p>
+          <a:p>
+            <a:pPr marL="457200" lvl="1" indent="0">
+              <a:buNone/>
+            </a:pPr>
+            <a:r>
+              <a:rPr lang="en-US" sz="1200" dirty="0"/>
+              <a:t>        "I am a small List. My size is " + </a:t>
+            </a:r>
+            <a:r>
+              <a:rPr lang="en-US" sz="1200" dirty="0" err="1"/>
+              <a:t>list.size</a:t>
+            </a:r>
+            <a:r>
+              <a:rPr lang="en-US" sz="1200" dirty="0"/>
+              <a:t>();</a:t>
+            </a:r>
+          </a:p>
+          <a:p>
+            <a:pPr marL="457200" lvl="1" indent="0">
+              <a:buNone/>
+            </a:pPr>
+            <a:r>
+              <a:rPr lang="en-US" sz="1200" dirty="0"/>
+              <a:t>    default -&gt; </a:t>
+            </a:r>
+          </a:p>
+          <a:p>
+            <a:pPr marL="457200" lvl="1" indent="0">
+              <a:buNone/>
+            </a:pPr>
+            <a:r>
+              <a:rPr lang="en-US" sz="1200" dirty="0"/>
+              <a:t>        "Unsupported collection: " + </a:t>
+            </a:r>
+            <a:r>
+              <a:rPr lang="en-US" sz="1200" dirty="0" err="1"/>
+              <a:t>coll.getClass</a:t>
+            </a:r>
+            <a:r>
+              <a:rPr lang="en-US" sz="1200" dirty="0"/>
+              <a:t>();</a:t>
+            </a:r>
+          </a:p>
+          <a:p>
+            <a:pPr marL="457200" lvl="1" indent="0">
+              <a:buNone/>
+            </a:pPr>
+            <a:r>
+              <a:rPr lang="en-US" sz="1200" dirty="0"/>
+              <a:t>  };</a:t>
+            </a:r>
+          </a:p>
+          <a:p>
+            <a:pPr marL="457200" lvl="1" indent="0">
+              <a:buNone/>
+            </a:pPr>
+            <a:r>
+              <a:rPr lang="en-US" sz="1200" dirty="0"/>
+              <a:t>}</a:t>
+            </a:r>
+          </a:p>
+        </p:txBody>
+      </p:sp>
+    </p:spTree>
+    <p:extLst>
+      <p:ext uri="{BB962C8B-B14F-4D97-AF65-F5344CB8AC3E}">
+        <p14:creationId xmlns:p14="http://schemas.microsoft.com/office/powerpoint/2010/main" val="783887361"/>
+      </p:ext>
+    </p:extLst>
+  </p:cSld>
+  <p:clrMapOvr>
+    <a:masterClrMapping/>
+  </p:clrMapOvr>
+</p:sld>
+</file>
+
+<file path=ppt/slides/slide29.xml><?xml version="1.0" encoding="utf-8"?>
+<p:sld xmlns:a="http://schemas.openxmlformats.org/drawingml/2006/main" xmlns:r="http://schemas.openxmlformats.org/officeDocument/2006/relationships" xmlns:p="http://schemas.openxmlformats.org/presentationml/2006/main">
+  <p:cSld>
+    <p:spTree>
+      <p:nvGrpSpPr>
+        <p:cNvPr id="1" name=""/>
+        <p:cNvGrpSpPr/>
+        <p:nvPr/>
+      </p:nvGrpSpPr>
+      <p:grpSpPr>
+        <a:xfrm>
+          <a:off x="0" y="0"/>
+          <a:ext cx="0" cy="0"/>
+          <a:chOff x="0" y="0"/>
+          <a:chExt cx="0" cy="0"/>
+        </a:xfrm>
+      </p:grpSpPr>
+      <p:sp>
+        <p:nvSpPr>
+          <p:cNvPr id="2" name="Title 1">
+            <a:extLst>
+              <a:ext uri="{FF2B5EF4-FFF2-40B4-BE49-F238E27FC236}">
+                <a16:creationId xmlns:a16="http://schemas.microsoft.com/office/drawing/2014/main" id="{E9CF25A5-5DE5-C5B9-38D0-5D97E20F7122}"/>
+              </a:ext>
+            </a:extLst>
+          </p:cNvPr>
+          <p:cNvSpPr>
+            <a:spLocks noGrp="1"/>
+          </p:cNvSpPr>
+          <p:nvPr>
+            <p:ph type="title"/>
+          </p:nvPr>
+        </p:nvSpPr>
+        <p:spPr/>
+        <p:txBody>
+          <a:bodyPr/>
+          <a:lstStyle/>
+          <a:p>
+            <a:r>
+              <a:rPr lang="en-IN" dirty="0"/>
+              <a:t>Pattern Matching in Switch</a:t>
+            </a:r>
+            <a:br>
+              <a:rPr lang="en-IN" dirty="0"/>
+            </a:br>
+            <a:endParaRPr lang="en-IN" dirty="0"/>
+          </a:p>
+        </p:txBody>
+      </p:sp>
+      <p:sp>
+        <p:nvSpPr>
+          <p:cNvPr id="3" name="Content Placeholder 2">
+            <a:extLst>
+              <a:ext uri="{FF2B5EF4-FFF2-40B4-BE49-F238E27FC236}">
+                <a16:creationId xmlns:a16="http://schemas.microsoft.com/office/drawing/2014/main" id="{B308CB96-C210-E087-BB0C-C53AC226BB81}"/>
+              </a:ext>
+            </a:extLst>
+          </p:cNvPr>
+          <p:cNvSpPr>
+            <a:spLocks noGrp="1"/>
+          </p:cNvSpPr>
+          <p:nvPr>
+            <p:ph idx="1"/>
+          </p:nvPr>
+        </p:nvSpPr>
+        <p:spPr/>
+        <p:txBody>
+          <a:bodyPr>
+            <a:normAutofit lnSpcReduction="10000"/>
+          </a:bodyPr>
+          <a:lstStyle/>
+          <a:p>
+            <a:r>
+              <a:rPr lang="en-US" sz="2000" dirty="0"/>
+              <a:t>If we have a Sealed Class (made a permanent language feature in Java 17), the compiler can verify if the switch statement is complete so no default label is needed. </a:t>
+            </a:r>
+          </a:p>
+          <a:p>
+            <a:r>
+              <a:rPr lang="en-US" sz="2000" dirty="0"/>
+              <a:t>For example:</a:t>
+            </a:r>
+          </a:p>
+          <a:p>
+            <a:pPr marL="457200" lvl="1" indent="0">
+              <a:buNone/>
+            </a:pPr>
+            <a:r>
+              <a:rPr lang="en-US" sz="1600" dirty="0"/>
+              <a:t>sealed interface Vehicle permits Car, Truck, Motorcycle {}</a:t>
+            </a:r>
+          </a:p>
+          <a:p>
+            <a:pPr marL="457200" lvl="1" indent="0">
+              <a:buNone/>
+            </a:pPr>
+            <a:r>
+              <a:rPr lang="en-US" sz="1600" dirty="0"/>
+              <a:t>final class Car implements Vehicle {}</a:t>
+            </a:r>
+          </a:p>
+          <a:p>
+            <a:pPr marL="457200" lvl="1" indent="0">
+              <a:buNone/>
+            </a:pPr>
+            <a:r>
+              <a:rPr lang="en-US" sz="1600" dirty="0"/>
+              <a:t>final class Truck implements Vehicle {}</a:t>
+            </a:r>
+          </a:p>
+          <a:p>
+            <a:pPr marL="457200" lvl="1" indent="0">
+              <a:buNone/>
+            </a:pPr>
+            <a:r>
+              <a:rPr lang="en-US" sz="1600" dirty="0"/>
+              <a:t>final class Motorcycle implements Vehicle {}</a:t>
+            </a:r>
+          </a:p>
+          <a:p>
+            <a:pPr marL="457200" lvl="1" indent="0">
+              <a:buNone/>
+            </a:pPr>
+            <a:r>
+              <a:rPr lang="en-US" sz="1600" dirty="0"/>
+              <a:t> </a:t>
+            </a:r>
+          </a:p>
+          <a:p>
+            <a:pPr marL="457200" lvl="1" indent="0">
+              <a:buNone/>
+            </a:pPr>
+            <a:r>
+              <a:rPr lang="en-US" sz="1600" dirty="0"/>
+              <a:t>public static String </a:t>
+            </a:r>
+            <a:r>
+              <a:rPr lang="en-US" sz="1600" dirty="0" err="1"/>
+              <a:t>sealedClass</a:t>
+            </a:r>
+            <a:r>
+              <a:rPr lang="en-US" sz="1600" dirty="0"/>
+              <a:t>(Vehicle v) {</a:t>
+            </a:r>
+          </a:p>
+          <a:p>
+            <a:pPr marL="457200" lvl="1" indent="0">
+              <a:buNone/>
+            </a:pPr>
+            <a:r>
+              <a:rPr lang="en-US" sz="1600" dirty="0"/>
+              <a:t>  return switch(v) {</a:t>
+            </a:r>
+          </a:p>
+          <a:p>
+            <a:pPr marL="457200" lvl="1" indent="0">
+              <a:buNone/>
+            </a:pPr>
+            <a:r>
+              <a:rPr lang="en-US" sz="1600" dirty="0"/>
+              <a:t>    case Car c -&gt; "I am a car";</a:t>
+            </a:r>
+          </a:p>
+          <a:p>
+            <a:pPr marL="457200" lvl="1" indent="0">
+              <a:buNone/>
+            </a:pPr>
+            <a:r>
+              <a:rPr lang="en-US" sz="1600" dirty="0"/>
+              <a:t>    case Truck t -&gt; "I am a truck";</a:t>
+            </a:r>
+          </a:p>
+          <a:p>
+            <a:pPr marL="457200" lvl="1" indent="0">
+              <a:buNone/>
+            </a:pPr>
+            <a:r>
+              <a:rPr lang="en-US" sz="1600" dirty="0"/>
+              <a:t>    case Motorcycle m -&gt; "I am a motorcycle";</a:t>
+            </a:r>
+          </a:p>
+          <a:p>
+            <a:pPr marL="457200" lvl="1" indent="0">
+              <a:buNone/>
+            </a:pPr>
+            <a:r>
+              <a:rPr lang="en-US" sz="1600" dirty="0"/>
+              <a:t>  };</a:t>
+            </a:r>
+          </a:p>
+          <a:p>
+            <a:pPr marL="457200" lvl="1" indent="0">
+              <a:buNone/>
+            </a:pPr>
+            <a:r>
+              <a:rPr lang="en-US" sz="1600" dirty="0"/>
+              <a:t>}</a:t>
+            </a:r>
+          </a:p>
+        </p:txBody>
+      </p:sp>
+    </p:spTree>
+    <p:extLst>
+      <p:ext uri="{BB962C8B-B14F-4D97-AF65-F5344CB8AC3E}">
+        <p14:creationId xmlns:p14="http://schemas.microsoft.com/office/powerpoint/2010/main" val="2634379364"/>
+      </p:ext>
+    </p:extLst>
+  </p:cSld>
+  <p:clrMapOvr>
+    <a:masterClrMapping/>
+  </p:clrMapOvr>
+</p:sld>
+</file>
+
 <file path=ppt/slides/slide3.xml><?xml version="1.0" encoding="utf-8"?>
 <p:sld xmlns:a="http://schemas.openxmlformats.org/drawingml/2006/main" xmlns:r="http://schemas.openxmlformats.org/officeDocument/2006/relationships" xmlns:p="http://schemas.openxmlformats.org/presentationml/2006/main">
   <p:cSld>
@@ -9280,6 +10753,1730 @@
     <p:extLst>
       <p:ext uri="{BB962C8B-B14F-4D97-AF65-F5344CB8AC3E}">
         <p14:creationId xmlns:p14="http://schemas.microsoft.com/office/powerpoint/2010/main" val="2007481738"/>
+      </p:ext>
+    </p:extLst>
+  </p:cSld>
+  <p:clrMapOvr>
+    <a:masterClrMapping/>
+  </p:clrMapOvr>
+</p:sld>
+</file>
+
+<file path=ppt/slides/slide30.xml><?xml version="1.0" encoding="utf-8"?>
+<p:sld xmlns:a="http://schemas.openxmlformats.org/drawingml/2006/main" xmlns:r="http://schemas.openxmlformats.org/officeDocument/2006/relationships" xmlns:p="http://schemas.openxmlformats.org/presentationml/2006/main">
+  <p:cSld>
+    <p:spTree>
+      <p:nvGrpSpPr>
+        <p:cNvPr id="1" name=""/>
+        <p:cNvGrpSpPr/>
+        <p:nvPr/>
+      </p:nvGrpSpPr>
+      <p:grpSpPr>
+        <a:xfrm>
+          <a:off x="0" y="0"/>
+          <a:ext cx="0" cy="0"/>
+          <a:chOff x="0" y="0"/>
+          <a:chExt cx="0" cy="0"/>
+        </a:xfrm>
+      </p:grpSpPr>
+      <p:sp>
+        <p:nvSpPr>
+          <p:cNvPr id="2" name="Title 1">
+            <a:extLst>
+              <a:ext uri="{FF2B5EF4-FFF2-40B4-BE49-F238E27FC236}">
+                <a16:creationId xmlns:a16="http://schemas.microsoft.com/office/drawing/2014/main" id="{CB35CBD1-2D38-CE6C-6513-58E16458CE3A}"/>
+              </a:ext>
+            </a:extLst>
+          </p:cNvPr>
+          <p:cNvSpPr>
+            <a:spLocks noGrp="1"/>
+          </p:cNvSpPr>
+          <p:nvPr>
+            <p:ph type="title"/>
+          </p:nvPr>
+        </p:nvSpPr>
+        <p:spPr/>
+        <p:txBody>
+          <a:bodyPr/>
+          <a:lstStyle/>
+          <a:p>
+            <a:r>
+              <a:rPr lang="en-IN" dirty="0"/>
+              <a:t>Record</a:t>
+            </a:r>
+          </a:p>
+        </p:txBody>
+      </p:sp>
+      <p:sp>
+        <p:nvSpPr>
+          <p:cNvPr id="3" name="Content Placeholder 2">
+            <a:extLst>
+              <a:ext uri="{FF2B5EF4-FFF2-40B4-BE49-F238E27FC236}">
+                <a16:creationId xmlns:a16="http://schemas.microsoft.com/office/drawing/2014/main" id="{396050EE-80F9-5068-45B2-64101A86D90B}"/>
+              </a:ext>
+            </a:extLst>
+          </p:cNvPr>
+          <p:cNvSpPr>
+            <a:spLocks noGrp="1"/>
+          </p:cNvSpPr>
+          <p:nvPr>
+            <p:ph idx="1"/>
+          </p:nvPr>
+        </p:nvSpPr>
+        <p:spPr/>
+        <p:txBody>
+          <a:bodyPr>
+            <a:normAutofit fontScale="62500" lnSpcReduction="20000"/>
+          </a:bodyPr>
+          <a:lstStyle/>
+          <a:p>
+            <a:pPr marL="0" indent="0">
+              <a:buNone/>
+            </a:pPr>
+            <a:r>
+              <a:rPr lang="en-US" dirty="0"/>
+              <a:t>Java record is a type of class whose sole purpose is to drive programming with immutable data.</a:t>
+            </a:r>
+          </a:p>
+          <a:p>
+            <a:pPr marL="0" indent="0">
+              <a:buNone/>
+            </a:pPr>
+            <a:r>
+              <a:rPr lang="en-US" dirty="0"/>
+              <a:t>Let’s look at a simple example</a:t>
+            </a:r>
+          </a:p>
+          <a:p>
+            <a:pPr marL="0" indent="0">
+              <a:buNone/>
+            </a:pPr>
+            <a:r>
+              <a:rPr lang="en-US" dirty="0"/>
+              <a:t>	</a:t>
+            </a:r>
+            <a:r>
+              <a:rPr lang="en-US" b="1" dirty="0"/>
+              <a:t>public record Data( int x, int y)</a:t>
+            </a:r>
+          </a:p>
+          <a:p>
+            <a:pPr marL="0" indent="0">
+              <a:buNone/>
+            </a:pPr>
+            <a:endParaRPr lang="en-US" dirty="0"/>
+          </a:p>
+          <a:p>
+            <a:pPr marL="0" indent="0">
+              <a:buNone/>
+            </a:pPr>
+            <a:r>
+              <a:rPr lang="en-US" dirty="0"/>
+              <a:t>So here we have created a record with header x and y. </a:t>
+            </a:r>
+          </a:p>
+          <a:p>
+            <a:pPr marL="0" indent="0">
+              <a:buNone/>
+            </a:pPr>
+            <a:r>
+              <a:rPr lang="en-US" dirty="0"/>
+              <a:t>The x and y here are referred to as components of a record. Now, when we create a record, we get the following:</a:t>
+            </a:r>
+          </a:p>
+          <a:p>
+            <a:pPr marL="0" indent="0">
+              <a:buNone/>
+            </a:pPr>
+            <a:endParaRPr lang="en-US" dirty="0"/>
+          </a:p>
+          <a:p>
+            <a:pPr marL="0" indent="0">
+              <a:buNone/>
+            </a:pPr>
+            <a:r>
+              <a:rPr lang="en-US" dirty="0"/>
+              <a:t>Final fields based on the record components.</a:t>
+            </a:r>
+          </a:p>
+          <a:p>
+            <a:pPr marL="0" indent="0">
+              <a:buNone/>
+            </a:pPr>
+            <a:r>
+              <a:rPr lang="en-US" dirty="0"/>
+              <a:t>Canonical constructor. (constructor based on the record components)</a:t>
+            </a:r>
+          </a:p>
+          <a:p>
+            <a:pPr marL="0" indent="0">
+              <a:buNone/>
+            </a:pPr>
+            <a:r>
+              <a:rPr lang="en-US" dirty="0"/>
+              <a:t>An accessor method that is the same as the field’s name, an equals method, and a </a:t>
+            </a:r>
+            <a:r>
+              <a:rPr lang="en-US" dirty="0" err="1"/>
+              <a:t>hashcode</a:t>
+            </a:r>
+            <a:r>
+              <a:rPr lang="en-US" dirty="0"/>
+              <a:t> method out of the box already implemented for you.</a:t>
+            </a:r>
+          </a:p>
+          <a:p>
+            <a:pPr marL="0" indent="0">
+              <a:buNone/>
+            </a:pPr>
+            <a:r>
+              <a:rPr lang="en-US" dirty="0"/>
+              <a:t>A </a:t>
+            </a:r>
+            <a:r>
+              <a:rPr lang="en-US" dirty="0" err="1"/>
+              <a:t>toString</a:t>
+            </a:r>
+            <a:r>
+              <a:rPr lang="en-US" dirty="0"/>
+              <a:t> method implementation that prints the record components along with the component names.</a:t>
+            </a:r>
+            <a:endParaRPr lang="en-IN" dirty="0"/>
+          </a:p>
+        </p:txBody>
+      </p:sp>
+    </p:spTree>
+    <p:extLst>
+      <p:ext uri="{BB962C8B-B14F-4D97-AF65-F5344CB8AC3E}">
+        <p14:creationId xmlns:p14="http://schemas.microsoft.com/office/powerpoint/2010/main" val="3002045840"/>
+      </p:ext>
+    </p:extLst>
+  </p:cSld>
+  <p:clrMapOvr>
+    <a:masterClrMapping/>
+  </p:clrMapOvr>
+</p:sld>
+</file>
+
+<file path=ppt/slides/slide31.xml><?xml version="1.0" encoding="utf-8"?>
+<p:sld xmlns:a="http://schemas.openxmlformats.org/drawingml/2006/main" xmlns:r="http://schemas.openxmlformats.org/officeDocument/2006/relationships" xmlns:p="http://schemas.openxmlformats.org/presentationml/2006/main">
+  <p:cSld>
+    <p:spTree>
+      <p:nvGrpSpPr>
+        <p:cNvPr id="1" name=""/>
+        <p:cNvGrpSpPr/>
+        <p:nvPr/>
+      </p:nvGrpSpPr>
+      <p:grpSpPr>
+        <a:xfrm>
+          <a:off x="0" y="0"/>
+          <a:ext cx="0" cy="0"/>
+          <a:chOff x="0" y="0"/>
+          <a:chExt cx="0" cy="0"/>
+        </a:xfrm>
+      </p:grpSpPr>
+      <p:sp>
+        <p:nvSpPr>
+          <p:cNvPr id="2" name="Title 1">
+            <a:extLst>
+              <a:ext uri="{FF2B5EF4-FFF2-40B4-BE49-F238E27FC236}">
+                <a16:creationId xmlns:a16="http://schemas.microsoft.com/office/drawing/2014/main" id="{CB35CBD1-2D38-CE6C-6513-58E16458CE3A}"/>
+              </a:ext>
+            </a:extLst>
+          </p:cNvPr>
+          <p:cNvSpPr>
+            <a:spLocks noGrp="1"/>
+          </p:cNvSpPr>
+          <p:nvPr>
+            <p:ph type="title"/>
+          </p:nvPr>
+        </p:nvSpPr>
+        <p:spPr/>
+        <p:txBody>
+          <a:bodyPr/>
+          <a:lstStyle/>
+          <a:p>
+            <a:r>
+              <a:rPr lang="en-IN" dirty="0"/>
+              <a:t>Record</a:t>
+            </a:r>
+          </a:p>
+        </p:txBody>
+      </p:sp>
+      <p:sp>
+        <p:nvSpPr>
+          <p:cNvPr id="3" name="Content Placeholder 2">
+            <a:extLst>
+              <a:ext uri="{FF2B5EF4-FFF2-40B4-BE49-F238E27FC236}">
+                <a16:creationId xmlns:a16="http://schemas.microsoft.com/office/drawing/2014/main" id="{396050EE-80F9-5068-45B2-64101A86D90B}"/>
+              </a:ext>
+            </a:extLst>
+          </p:cNvPr>
+          <p:cNvSpPr>
+            <a:spLocks noGrp="1"/>
+          </p:cNvSpPr>
+          <p:nvPr>
+            <p:ph idx="1"/>
+          </p:nvPr>
+        </p:nvSpPr>
+        <p:spPr/>
+        <p:txBody>
+          <a:bodyPr>
+            <a:normAutofit fontScale="92500" lnSpcReduction="10000"/>
+          </a:bodyPr>
+          <a:lstStyle/>
+          <a:p>
+            <a:pPr marL="0" indent="0">
+              <a:buNone/>
+            </a:pPr>
+            <a:r>
+              <a:rPr lang="en-US" b="0" i="0" dirty="0">
+                <a:solidFill>
+                  <a:srgbClr val="222635"/>
+                </a:solidFill>
+                <a:effectLst/>
+                <a:latin typeface="Cambria" panose="02040503050406030204" pitchFamily="18" charset="0"/>
+              </a:rPr>
+              <a:t>So an equivalent class would be like this:</a:t>
+            </a:r>
+          </a:p>
+          <a:p>
+            <a:pPr marL="0" indent="0">
+              <a:buNone/>
+            </a:pPr>
+            <a:r>
+              <a:rPr lang="en-IN" dirty="0"/>
+              <a:t>public class Data {    </a:t>
+            </a:r>
+          </a:p>
+          <a:p>
+            <a:pPr marL="457200" lvl="1" indent="0">
+              <a:buNone/>
+            </a:pPr>
+            <a:r>
+              <a:rPr lang="en-IN" dirty="0"/>
+              <a:t>final private int x;    </a:t>
+            </a:r>
+          </a:p>
+          <a:p>
+            <a:pPr marL="457200" lvl="1" indent="0">
+              <a:buNone/>
+            </a:pPr>
+            <a:r>
+              <a:rPr lang="en-IN" dirty="0"/>
+              <a:t>final private int y;    </a:t>
+            </a:r>
+          </a:p>
+          <a:p>
+            <a:pPr marL="457200" lvl="1" indent="0">
+              <a:buNone/>
+            </a:pPr>
+            <a:r>
+              <a:rPr lang="en-IN" dirty="0"/>
+              <a:t>public Data( int x, int y){        </a:t>
+            </a:r>
+          </a:p>
+          <a:p>
+            <a:pPr marL="457200" lvl="1" indent="0">
+              <a:buNone/>
+            </a:pPr>
+            <a:r>
+              <a:rPr lang="en-IN" dirty="0"/>
+              <a:t>	</a:t>
+            </a:r>
+            <a:r>
+              <a:rPr lang="en-IN" dirty="0" err="1"/>
+              <a:t>this.x</a:t>
+            </a:r>
+            <a:r>
+              <a:rPr lang="en-IN" dirty="0"/>
+              <a:t> = x;        </a:t>
+            </a:r>
+          </a:p>
+          <a:p>
+            <a:pPr marL="457200" lvl="1" indent="0">
+              <a:buNone/>
+            </a:pPr>
+            <a:r>
+              <a:rPr lang="en-IN" dirty="0"/>
+              <a:t>           </a:t>
+            </a:r>
+            <a:r>
+              <a:rPr lang="en-IN" dirty="0" err="1"/>
+              <a:t>this.y</a:t>
+            </a:r>
+            <a:r>
+              <a:rPr lang="en-IN" dirty="0"/>
+              <a:t> = y;    </a:t>
+            </a:r>
+          </a:p>
+          <a:p>
+            <a:pPr marL="457200" lvl="1" indent="0">
+              <a:buNone/>
+            </a:pPr>
+            <a:r>
+              <a:rPr lang="en-IN" dirty="0"/>
+              <a:t>}    </a:t>
+            </a:r>
+          </a:p>
+          <a:p>
+            <a:pPr marL="457200" lvl="1" indent="0">
+              <a:buNone/>
+            </a:pPr>
+            <a:r>
+              <a:rPr lang="en-IN" dirty="0"/>
+              <a:t>public </a:t>
+            </a:r>
+            <a:r>
+              <a:rPr lang="en-IN" dirty="0" err="1"/>
+              <a:t>boolean</a:t>
+            </a:r>
+            <a:r>
+              <a:rPr lang="en-IN" dirty="0"/>
+              <a:t> equals(Object o) {        ...    }    </a:t>
+            </a:r>
+          </a:p>
+          <a:p>
+            <a:pPr marL="457200" lvl="1" indent="0">
+              <a:buNone/>
+            </a:pPr>
+            <a:r>
+              <a:rPr lang="en-IN" dirty="0"/>
+              <a:t>public int </a:t>
+            </a:r>
+            <a:r>
+              <a:rPr lang="en-IN" dirty="0" err="1"/>
+              <a:t>hashCode</a:t>
+            </a:r>
+            <a:r>
+              <a:rPr lang="en-IN" dirty="0"/>
+              <a:t>() {       ...    }    </a:t>
+            </a:r>
+          </a:p>
+          <a:p>
+            <a:pPr marL="457200" lvl="1" indent="0">
+              <a:buNone/>
+            </a:pPr>
+            <a:r>
+              <a:rPr lang="en-IN" dirty="0"/>
+              <a:t>public String </a:t>
+            </a:r>
+            <a:r>
+              <a:rPr lang="en-IN" dirty="0" err="1"/>
+              <a:t>toString</a:t>
+            </a:r>
+            <a:r>
+              <a:rPr lang="en-IN" dirty="0"/>
+              <a:t>() {        ...    }</a:t>
+            </a:r>
+          </a:p>
+          <a:p>
+            <a:pPr marL="0" indent="0">
+              <a:buNone/>
+            </a:pPr>
+            <a:r>
+              <a:rPr lang="en-IN" dirty="0"/>
+              <a:t>}</a:t>
+            </a:r>
+          </a:p>
+        </p:txBody>
+      </p:sp>
+    </p:spTree>
+    <p:extLst>
+      <p:ext uri="{BB962C8B-B14F-4D97-AF65-F5344CB8AC3E}">
+        <p14:creationId xmlns:p14="http://schemas.microsoft.com/office/powerpoint/2010/main" val="2533592808"/>
+      </p:ext>
+    </p:extLst>
+  </p:cSld>
+  <p:clrMapOvr>
+    <a:masterClrMapping/>
+  </p:clrMapOvr>
+</p:sld>
+</file>
+
+<file path=ppt/slides/slide32.xml><?xml version="1.0" encoding="utf-8"?>
+<p:sld xmlns:a="http://schemas.openxmlformats.org/drawingml/2006/main" xmlns:r="http://schemas.openxmlformats.org/officeDocument/2006/relationships" xmlns:p="http://schemas.openxmlformats.org/presentationml/2006/main">
+  <p:cSld>
+    <p:spTree>
+      <p:nvGrpSpPr>
+        <p:cNvPr id="1" name=""/>
+        <p:cNvGrpSpPr/>
+        <p:nvPr/>
+      </p:nvGrpSpPr>
+      <p:grpSpPr>
+        <a:xfrm>
+          <a:off x="0" y="0"/>
+          <a:ext cx="0" cy="0"/>
+          <a:chOff x="0" y="0"/>
+          <a:chExt cx="0" cy="0"/>
+        </a:xfrm>
+      </p:grpSpPr>
+      <p:sp>
+        <p:nvSpPr>
+          <p:cNvPr id="2" name="Title 1">
+            <a:extLst>
+              <a:ext uri="{FF2B5EF4-FFF2-40B4-BE49-F238E27FC236}">
+                <a16:creationId xmlns:a16="http://schemas.microsoft.com/office/drawing/2014/main" id="{CB35CBD1-2D38-CE6C-6513-58E16458CE3A}"/>
+              </a:ext>
+            </a:extLst>
+          </p:cNvPr>
+          <p:cNvSpPr>
+            <a:spLocks noGrp="1"/>
+          </p:cNvSpPr>
+          <p:nvPr>
+            <p:ph type="title"/>
+          </p:nvPr>
+        </p:nvSpPr>
+        <p:spPr/>
+        <p:txBody>
+          <a:bodyPr/>
+          <a:lstStyle/>
+          <a:p>
+            <a:r>
+              <a:rPr lang="en-IN" dirty="0"/>
+              <a:t>Record Initialization</a:t>
+            </a:r>
+          </a:p>
+        </p:txBody>
+      </p:sp>
+      <p:sp>
+        <p:nvSpPr>
+          <p:cNvPr id="3" name="Content Placeholder 2">
+            <a:extLst>
+              <a:ext uri="{FF2B5EF4-FFF2-40B4-BE49-F238E27FC236}">
+                <a16:creationId xmlns:a16="http://schemas.microsoft.com/office/drawing/2014/main" id="{396050EE-80F9-5068-45B2-64101A86D90B}"/>
+              </a:ext>
+            </a:extLst>
+          </p:cNvPr>
+          <p:cNvSpPr>
+            <a:spLocks noGrp="1"/>
+          </p:cNvSpPr>
+          <p:nvPr>
+            <p:ph idx="1"/>
+          </p:nvPr>
+        </p:nvSpPr>
+        <p:spPr/>
+        <p:txBody>
+          <a:bodyPr>
+            <a:normAutofit fontScale="85000" lnSpcReduction="20000"/>
+          </a:bodyPr>
+          <a:lstStyle/>
+          <a:p>
+            <a:pPr marL="0" indent="0">
+              <a:buNone/>
+            </a:pPr>
+            <a:r>
+              <a:rPr lang="en-US" dirty="0"/>
+              <a:t>When we declare a normal class without any constructor the compiler provides a default constructor with no arguments. </a:t>
+            </a:r>
+          </a:p>
+          <a:p>
+            <a:pPr marL="0" indent="0">
+              <a:buNone/>
+            </a:pPr>
+            <a:r>
+              <a:rPr lang="en-US" dirty="0"/>
+              <a:t>In the case of records, an implicit canonical constructor based on the record components is provided. </a:t>
+            </a:r>
+          </a:p>
+          <a:p>
+            <a:pPr marL="0" indent="0">
+              <a:buNone/>
+            </a:pPr>
+            <a:r>
+              <a:rPr lang="en-US" dirty="0"/>
+              <a:t>We can explicitly create a canonical constructor by yourself by doing things like </a:t>
+            </a:r>
+            <a:r>
+              <a:rPr lang="en-US" dirty="0" err="1"/>
+              <a:t>e.g</a:t>
+            </a:r>
+            <a:r>
+              <a:rPr lang="en-US" dirty="0"/>
+              <a:t> validations but there is a more concise way to do that.</a:t>
+            </a:r>
+          </a:p>
+          <a:p>
+            <a:pPr marL="457200" lvl="1" indent="0">
+              <a:buNone/>
+            </a:pPr>
+            <a:r>
+              <a:rPr lang="en-US" dirty="0"/>
+              <a:t>public record Data(int x, int y) {    </a:t>
+            </a:r>
+          </a:p>
+          <a:p>
+            <a:pPr marL="914400" lvl="2" indent="0">
+              <a:buNone/>
+            </a:pPr>
+            <a:r>
+              <a:rPr lang="en-US" dirty="0"/>
+              <a:t>public Data {        </a:t>
+            </a:r>
+          </a:p>
+          <a:p>
+            <a:pPr marL="914400" lvl="2" indent="0">
+              <a:buNone/>
+            </a:pPr>
+            <a:r>
+              <a:rPr lang="en-US" dirty="0"/>
+              <a:t>	if (x &gt;y) {            </a:t>
+            </a:r>
+          </a:p>
+          <a:p>
+            <a:pPr marL="914400" lvl="2" indent="0">
+              <a:buNone/>
+            </a:pPr>
+            <a:r>
+              <a:rPr lang="en-US" dirty="0"/>
+              <a:t>		throw new </a:t>
+            </a:r>
+            <a:r>
+              <a:rPr lang="en-US" dirty="0" err="1"/>
+              <a:t>IllegalArgumentException</a:t>
+            </a:r>
+            <a:r>
+              <a:rPr lang="en-US" dirty="0"/>
+              <a:t>();        </a:t>
+            </a:r>
+          </a:p>
+          <a:p>
+            <a:pPr marL="914400" lvl="2" indent="0">
+              <a:buNone/>
+            </a:pPr>
+            <a:r>
+              <a:rPr lang="en-US" dirty="0"/>
+              <a:t>            }        </a:t>
+            </a:r>
+          </a:p>
+          <a:p>
+            <a:pPr marL="914400" lvl="2" indent="0">
+              <a:buNone/>
+            </a:pPr>
+            <a:r>
+              <a:rPr lang="en-US" dirty="0"/>
+              <a:t>	x+=100;        </a:t>
+            </a:r>
+          </a:p>
+          <a:p>
+            <a:pPr marL="914400" lvl="2" indent="0">
+              <a:buNone/>
+            </a:pPr>
+            <a:r>
+              <a:rPr lang="en-US" dirty="0"/>
+              <a:t>	y+=100;    </a:t>
+            </a:r>
+          </a:p>
+          <a:p>
+            <a:pPr marL="914400" lvl="2" indent="0">
+              <a:buNone/>
+            </a:pPr>
+            <a:r>
+              <a:rPr lang="en-US" dirty="0"/>
+              <a:t>	}</a:t>
+            </a:r>
+          </a:p>
+          <a:p>
+            <a:pPr marL="457200" lvl="1" indent="0">
+              <a:buNone/>
+            </a:pPr>
+            <a:r>
+              <a:rPr lang="en-US" dirty="0"/>
+              <a:t>}</a:t>
+            </a:r>
+            <a:endParaRPr lang="en-IN" dirty="0"/>
+          </a:p>
+        </p:txBody>
+      </p:sp>
+    </p:spTree>
+    <p:extLst>
+      <p:ext uri="{BB962C8B-B14F-4D97-AF65-F5344CB8AC3E}">
+        <p14:creationId xmlns:p14="http://schemas.microsoft.com/office/powerpoint/2010/main" val="329682786"/>
+      </p:ext>
+    </p:extLst>
+  </p:cSld>
+  <p:clrMapOvr>
+    <a:masterClrMapping/>
+  </p:clrMapOvr>
+</p:sld>
+</file>
+
+<file path=ppt/slides/slide33.xml><?xml version="1.0" encoding="utf-8"?>
+<p:sld xmlns:a="http://schemas.openxmlformats.org/drawingml/2006/main" xmlns:r="http://schemas.openxmlformats.org/officeDocument/2006/relationships" xmlns:p="http://schemas.openxmlformats.org/presentationml/2006/main">
+  <p:cSld>
+    <p:spTree>
+      <p:nvGrpSpPr>
+        <p:cNvPr id="1" name=""/>
+        <p:cNvGrpSpPr/>
+        <p:nvPr/>
+      </p:nvGrpSpPr>
+      <p:grpSpPr>
+        <a:xfrm>
+          <a:off x="0" y="0"/>
+          <a:ext cx="0" cy="0"/>
+          <a:chOff x="0" y="0"/>
+          <a:chExt cx="0" cy="0"/>
+        </a:xfrm>
+      </p:grpSpPr>
+      <p:sp>
+        <p:nvSpPr>
+          <p:cNvPr id="2" name="Title 1">
+            <a:extLst>
+              <a:ext uri="{FF2B5EF4-FFF2-40B4-BE49-F238E27FC236}">
+                <a16:creationId xmlns:a16="http://schemas.microsoft.com/office/drawing/2014/main" id="{CB35CBD1-2D38-CE6C-6513-58E16458CE3A}"/>
+              </a:ext>
+            </a:extLst>
+          </p:cNvPr>
+          <p:cNvSpPr>
+            <a:spLocks noGrp="1"/>
+          </p:cNvSpPr>
+          <p:nvPr>
+            <p:ph type="title"/>
+          </p:nvPr>
+        </p:nvSpPr>
+        <p:spPr/>
+        <p:txBody>
+          <a:bodyPr/>
+          <a:lstStyle/>
+          <a:p>
+            <a:r>
+              <a:rPr lang="en-IN" dirty="0"/>
+              <a:t>Record Initialization</a:t>
+            </a:r>
+          </a:p>
+        </p:txBody>
+      </p:sp>
+      <p:sp>
+        <p:nvSpPr>
+          <p:cNvPr id="3" name="Content Placeholder 2">
+            <a:extLst>
+              <a:ext uri="{FF2B5EF4-FFF2-40B4-BE49-F238E27FC236}">
+                <a16:creationId xmlns:a16="http://schemas.microsoft.com/office/drawing/2014/main" id="{396050EE-80F9-5068-45B2-64101A86D90B}"/>
+              </a:ext>
+            </a:extLst>
+          </p:cNvPr>
+          <p:cNvSpPr>
+            <a:spLocks noGrp="1"/>
+          </p:cNvSpPr>
+          <p:nvPr>
+            <p:ph idx="1"/>
+          </p:nvPr>
+        </p:nvSpPr>
+        <p:spPr/>
+        <p:txBody>
+          <a:bodyPr>
+            <a:normAutofit fontScale="55000" lnSpcReduction="20000"/>
+          </a:bodyPr>
+          <a:lstStyle/>
+          <a:p>
+            <a:pPr marL="0" indent="0">
+              <a:buNone/>
+            </a:pPr>
+            <a:r>
+              <a:rPr lang="en-US" b="0" i="0" dirty="0">
+                <a:solidFill>
+                  <a:srgbClr val="222635"/>
+                </a:solidFill>
+                <a:effectLst/>
+                <a:latin typeface="Cambria" panose="02040503050406030204" pitchFamily="18" charset="0"/>
+              </a:rPr>
+              <a:t>The previous code would be equivalent to the following : </a:t>
+            </a:r>
+            <a:endParaRPr lang="en-US" dirty="0"/>
+          </a:p>
+          <a:p>
+            <a:pPr marL="0" indent="0">
+              <a:buNone/>
+            </a:pPr>
+            <a:r>
+              <a:rPr lang="en-US" dirty="0"/>
+              <a:t>public class Data {    </a:t>
+            </a:r>
+          </a:p>
+          <a:p>
+            <a:pPr marL="0" indent="0">
+              <a:buNone/>
+            </a:pPr>
+            <a:r>
+              <a:rPr lang="en-US" dirty="0"/>
+              <a:t>	final private int x;    </a:t>
+            </a:r>
+          </a:p>
+          <a:p>
+            <a:pPr marL="0" indent="0">
+              <a:buNone/>
+            </a:pPr>
+            <a:r>
+              <a:rPr lang="en-US" dirty="0"/>
+              <a:t>	final private int y;    </a:t>
+            </a:r>
+          </a:p>
+          <a:p>
+            <a:pPr marL="0" indent="0">
+              <a:buNone/>
+            </a:pPr>
+            <a:r>
+              <a:rPr lang="en-US" dirty="0"/>
+              <a:t>	public Data( int x, int y){        </a:t>
+            </a:r>
+          </a:p>
+          <a:p>
+            <a:pPr marL="0" indent="0">
+              <a:buNone/>
+            </a:pPr>
+            <a:r>
+              <a:rPr lang="en-US" dirty="0"/>
+              <a:t>		if (x &gt;y) {            </a:t>
+            </a:r>
+          </a:p>
+          <a:p>
+            <a:pPr marL="0" indent="0">
+              <a:buNone/>
+            </a:pPr>
+            <a:r>
+              <a:rPr lang="en-US" dirty="0"/>
+              <a:t>			throw new </a:t>
+            </a:r>
+            <a:r>
+              <a:rPr lang="en-US" dirty="0" err="1"/>
+              <a:t>IllegalArgumentException</a:t>
+            </a:r>
+            <a:r>
+              <a:rPr lang="en-US" dirty="0"/>
+              <a:t>();        </a:t>
+            </a:r>
+          </a:p>
+          <a:p>
+            <a:pPr marL="0" indent="0">
+              <a:buNone/>
+            </a:pPr>
+            <a:r>
+              <a:rPr lang="en-US" dirty="0"/>
+              <a:t>		}       </a:t>
+            </a:r>
+          </a:p>
+          <a:p>
+            <a:pPr marL="0" indent="0">
+              <a:buNone/>
+            </a:pPr>
+            <a:r>
+              <a:rPr lang="en-US" dirty="0"/>
+              <a:t>	 x+=100;        </a:t>
+            </a:r>
+          </a:p>
+          <a:p>
+            <a:pPr marL="0" indent="0">
+              <a:buNone/>
+            </a:pPr>
+            <a:r>
+              <a:rPr lang="en-US" dirty="0"/>
+              <a:t>	y+=100;        </a:t>
+            </a:r>
+          </a:p>
+          <a:p>
+            <a:pPr marL="0" indent="0">
+              <a:buNone/>
+            </a:pPr>
+            <a:r>
+              <a:rPr lang="en-US" dirty="0"/>
+              <a:t>	</a:t>
+            </a:r>
+            <a:r>
+              <a:rPr lang="en-US" dirty="0" err="1"/>
+              <a:t>this.x</a:t>
+            </a:r>
+            <a:r>
+              <a:rPr lang="en-US" dirty="0"/>
+              <a:t> = x;        </a:t>
+            </a:r>
+          </a:p>
+          <a:p>
+            <a:pPr marL="0" indent="0">
+              <a:buNone/>
+            </a:pPr>
+            <a:r>
+              <a:rPr lang="en-US" dirty="0"/>
+              <a:t>	</a:t>
+            </a:r>
+            <a:r>
+              <a:rPr lang="en-US" dirty="0" err="1"/>
+              <a:t>this.y</a:t>
+            </a:r>
+            <a:r>
+              <a:rPr lang="en-US" dirty="0"/>
+              <a:t> = y;    </a:t>
+            </a:r>
+          </a:p>
+          <a:p>
+            <a:pPr marL="0" indent="0">
+              <a:buNone/>
+            </a:pPr>
+            <a:r>
+              <a:rPr lang="en-US" dirty="0"/>
+              <a:t>	}</a:t>
+            </a:r>
+          </a:p>
+          <a:p>
+            <a:pPr marL="0" indent="0">
+              <a:buNone/>
+            </a:pPr>
+            <a:r>
+              <a:rPr lang="en-US" dirty="0"/>
+              <a:t>}</a:t>
+            </a:r>
+            <a:endParaRPr lang="en-IN" dirty="0"/>
+          </a:p>
+        </p:txBody>
+      </p:sp>
+    </p:spTree>
+    <p:extLst>
+      <p:ext uri="{BB962C8B-B14F-4D97-AF65-F5344CB8AC3E}">
+        <p14:creationId xmlns:p14="http://schemas.microsoft.com/office/powerpoint/2010/main" val="1625518955"/>
+      </p:ext>
+    </p:extLst>
+  </p:cSld>
+  <p:clrMapOvr>
+    <a:masterClrMapping/>
+  </p:clrMapOvr>
+</p:sld>
+</file>
+
+<file path=ppt/slides/slide34.xml><?xml version="1.0" encoding="utf-8"?>
+<p:sld xmlns:a="http://schemas.openxmlformats.org/drawingml/2006/main" xmlns:r="http://schemas.openxmlformats.org/officeDocument/2006/relationships" xmlns:p="http://schemas.openxmlformats.org/presentationml/2006/main">
+  <p:cSld>
+    <p:spTree>
+      <p:nvGrpSpPr>
+        <p:cNvPr id="1" name=""/>
+        <p:cNvGrpSpPr/>
+        <p:nvPr/>
+      </p:nvGrpSpPr>
+      <p:grpSpPr>
+        <a:xfrm>
+          <a:off x="0" y="0"/>
+          <a:ext cx="0" cy="0"/>
+          <a:chOff x="0" y="0"/>
+          <a:chExt cx="0" cy="0"/>
+        </a:xfrm>
+      </p:grpSpPr>
+      <p:sp>
+        <p:nvSpPr>
+          <p:cNvPr id="2" name="Title 1">
+            <a:extLst>
+              <a:ext uri="{FF2B5EF4-FFF2-40B4-BE49-F238E27FC236}">
+                <a16:creationId xmlns:a16="http://schemas.microsoft.com/office/drawing/2014/main" id="{65327872-EB27-C512-6894-B8DE03612444}"/>
+              </a:ext>
+            </a:extLst>
+          </p:cNvPr>
+          <p:cNvSpPr>
+            <a:spLocks noGrp="1"/>
+          </p:cNvSpPr>
+          <p:nvPr>
+            <p:ph type="title"/>
+          </p:nvPr>
+        </p:nvSpPr>
+        <p:spPr/>
+        <p:txBody>
+          <a:bodyPr/>
+          <a:lstStyle/>
+          <a:p>
+            <a:r>
+              <a:rPr lang="en-IN" dirty="0"/>
+              <a:t>Record Classes</a:t>
+            </a:r>
+          </a:p>
+        </p:txBody>
+      </p:sp>
+      <p:sp>
+        <p:nvSpPr>
+          <p:cNvPr id="3" name="Content Placeholder 2">
+            <a:extLst>
+              <a:ext uri="{FF2B5EF4-FFF2-40B4-BE49-F238E27FC236}">
+                <a16:creationId xmlns:a16="http://schemas.microsoft.com/office/drawing/2014/main" id="{73C9A04F-7F7B-3CD5-EBD0-3364544D4281}"/>
+              </a:ext>
+            </a:extLst>
+          </p:cNvPr>
+          <p:cNvSpPr>
+            <a:spLocks noGrp="1"/>
+          </p:cNvSpPr>
+          <p:nvPr>
+            <p:ph idx="1"/>
+          </p:nvPr>
+        </p:nvSpPr>
+        <p:spPr/>
+        <p:txBody>
+          <a:bodyPr>
+            <a:normAutofit lnSpcReduction="10000"/>
+          </a:bodyPr>
+          <a:lstStyle/>
+          <a:p>
+            <a:r>
+              <a:rPr lang="en-US" dirty="0"/>
+              <a:t>Record Classes Cannot Be Extended Neither Support Extension</a:t>
+            </a:r>
+          </a:p>
+          <a:p>
+            <a:r>
+              <a:rPr lang="en-US" dirty="0"/>
+              <a:t>Record classes do not support extensions. </a:t>
+            </a:r>
+          </a:p>
+          <a:p>
+            <a:r>
+              <a:rPr lang="en-US" dirty="0"/>
+              <a:t>We simply cannot extend it with any other class, not even a record class. </a:t>
+            </a:r>
+          </a:p>
+          <a:p>
+            <a:r>
+              <a:rPr lang="en-US" dirty="0"/>
+              <a:t>The only implicit superclass it has is </a:t>
+            </a:r>
+            <a:r>
+              <a:rPr lang="en-US" dirty="0" err="1"/>
+              <a:t>java.lang.Record</a:t>
+            </a:r>
+            <a:r>
+              <a:rPr lang="en-US" dirty="0"/>
+              <a:t> because defining record class explicitly by using extends only leads to compilation errors. </a:t>
+            </a:r>
+          </a:p>
+          <a:p>
+            <a:r>
+              <a:rPr lang="en-US" dirty="0"/>
+              <a:t>The record classes are implicitly final. They cannot be declared abstract to allow further extensions. This means you cannot have any sub-records of a record.</a:t>
+            </a:r>
+            <a:endParaRPr lang="en-IN" dirty="0"/>
+          </a:p>
+        </p:txBody>
+      </p:sp>
+    </p:spTree>
+    <p:extLst>
+      <p:ext uri="{BB962C8B-B14F-4D97-AF65-F5344CB8AC3E}">
+        <p14:creationId xmlns:p14="http://schemas.microsoft.com/office/powerpoint/2010/main" val="1139943371"/>
+      </p:ext>
+    </p:extLst>
+  </p:cSld>
+  <p:clrMapOvr>
+    <a:masterClrMapping/>
+  </p:clrMapOvr>
+</p:sld>
+</file>
+
+<file path=ppt/slides/slide35.xml><?xml version="1.0" encoding="utf-8"?>
+<p:sld xmlns:a="http://schemas.openxmlformats.org/drawingml/2006/main" xmlns:r="http://schemas.openxmlformats.org/officeDocument/2006/relationships" xmlns:p="http://schemas.openxmlformats.org/presentationml/2006/main">
+  <p:cSld>
+    <p:spTree>
+      <p:nvGrpSpPr>
+        <p:cNvPr id="1" name=""/>
+        <p:cNvGrpSpPr/>
+        <p:nvPr/>
+      </p:nvGrpSpPr>
+      <p:grpSpPr>
+        <a:xfrm>
+          <a:off x="0" y="0"/>
+          <a:ext cx="0" cy="0"/>
+          <a:chOff x="0" y="0"/>
+          <a:chExt cx="0" cy="0"/>
+        </a:xfrm>
+      </p:grpSpPr>
+      <p:sp>
+        <p:nvSpPr>
+          <p:cNvPr id="2" name="Title 1">
+            <a:extLst>
+              <a:ext uri="{FF2B5EF4-FFF2-40B4-BE49-F238E27FC236}">
+                <a16:creationId xmlns:a16="http://schemas.microsoft.com/office/drawing/2014/main" id="{FB035CB2-32F4-FED7-F10E-FB89594A727F}"/>
+              </a:ext>
+            </a:extLst>
+          </p:cNvPr>
+          <p:cNvSpPr>
+            <a:spLocks noGrp="1"/>
+          </p:cNvSpPr>
+          <p:nvPr>
+            <p:ph type="title"/>
+          </p:nvPr>
+        </p:nvSpPr>
+        <p:spPr/>
+        <p:txBody>
+          <a:bodyPr/>
+          <a:lstStyle/>
+          <a:p>
+            <a:r>
+              <a:rPr lang="en-IN" dirty="0"/>
+              <a:t>Record -Implementing Interfaces</a:t>
+            </a:r>
+          </a:p>
+        </p:txBody>
+      </p:sp>
+      <p:sp>
+        <p:nvSpPr>
+          <p:cNvPr id="3" name="Content Placeholder 2">
+            <a:extLst>
+              <a:ext uri="{FF2B5EF4-FFF2-40B4-BE49-F238E27FC236}">
+                <a16:creationId xmlns:a16="http://schemas.microsoft.com/office/drawing/2014/main" id="{2B9CCD5B-C8B2-02CB-6055-57A352EF384D}"/>
+              </a:ext>
+            </a:extLst>
+          </p:cNvPr>
+          <p:cNvSpPr>
+            <a:spLocks noGrp="1"/>
+          </p:cNvSpPr>
+          <p:nvPr>
+            <p:ph idx="1"/>
+          </p:nvPr>
+        </p:nvSpPr>
+        <p:spPr/>
+        <p:txBody>
+          <a:bodyPr/>
+          <a:lstStyle/>
+          <a:p>
+            <a:r>
+              <a:rPr lang="en-US" dirty="0"/>
+              <a:t>Record classes allow you to implement interfaces. </a:t>
+            </a:r>
+          </a:p>
+          <a:p>
+            <a:r>
+              <a:rPr lang="en-US" dirty="0"/>
+              <a:t>We can implement any interface we want whether it’s a single interface or multiple interfaces.</a:t>
+            </a:r>
+          </a:p>
+          <a:p>
+            <a:pPr marL="0" indent="0">
+              <a:buNone/>
+            </a:pPr>
+            <a:r>
+              <a:rPr lang="en-IN" dirty="0"/>
+              <a:t>	public record Data( int x, int y) implements Runnable, Serializable</a:t>
+            </a:r>
+          </a:p>
+        </p:txBody>
+      </p:sp>
+    </p:spTree>
+    <p:extLst>
+      <p:ext uri="{BB962C8B-B14F-4D97-AF65-F5344CB8AC3E}">
+        <p14:creationId xmlns:p14="http://schemas.microsoft.com/office/powerpoint/2010/main" val="503595333"/>
+      </p:ext>
+    </p:extLst>
+  </p:cSld>
+  <p:clrMapOvr>
+    <a:masterClrMapping/>
+  </p:clrMapOvr>
+</p:sld>
+</file>
+
+<file path=ppt/slides/slide36.xml><?xml version="1.0" encoding="utf-8"?>
+<p:sld xmlns:a="http://schemas.openxmlformats.org/drawingml/2006/main" xmlns:r="http://schemas.openxmlformats.org/officeDocument/2006/relationships" xmlns:p="http://schemas.openxmlformats.org/presentationml/2006/main">
+  <p:cSld>
+    <p:spTree>
+      <p:nvGrpSpPr>
+        <p:cNvPr id="1" name=""/>
+        <p:cNvGrpSpPr/>
+        <p:nvPr/>
+      </p:nvGrpSpPr>
+      <p:grpSpPr>
+        <a:xfrm>
+          <a:off x="0" y="0"/>
+          <a:ext cx="0" cy="0"/>
+          <a:chOff x="0" y="0"/>
+          <a:chExt cx="0" cy="0"/>
+        </a:xfrm>
+      </p:grpSpPr>
+      <p:sp>
+        <p:nvSpPr>
+          <p:cNvPr id="2" name="Title 1">
+            <a:extLst>
+              <a:ext uri="{FF2B5EF4-FFF2-40B4-BE49-F238E27FC236}">
+                <a16:creationId xmlns:a16="http://schemas.microsoft.com/office/drawing/2014/main" id="{728EFE86-9723-CE84-5F80-D0FBA90F7A67}"/>
+              </a:ext>
+            </a:extLst>
+          </p:cNvPr>
+          <p:cNvSpPr>
+            <a:spLocks noGrp="1"/>
+          </p:cNvSpPr>
+          <p:nvPr>
+            <p:ph type="title"/>
+          </p:nvPr>
+        </p:nvSpPr>
+        <p:spPr/>
+        <p:txBody>
+          <a:bodyPr/>
+          <a:lstStyle/>
+          <a:p>
+            <a:r>
+              <a:rPr lang="en-IN" dirty="0"/>
+              <a:t>Record</a:t>
+            </a:r>
+          </a:p>
+        </p:txBody>
+      </p:sp>
+      <p:sp>
+        <p:nvSpPr>
+          <p:cNvPr id="3" name="Content Placeholder 2">
+            <a:extLst>
+              <a:ext uri="{FF2B5EF4-FFF2-40B4-BE49-F238E27FC236}">
+                <a16:creationId xmlns:a16="http://schemas.microsoft.com/office/drawing/2014/main" id="{DCF02DBD-49A9-8359-1A96-8A9CADE2DC3A}"/>
+              </a:ext>
+            </a:extLst>
+          </p:cNvPr>
+          <p:cNvSpPr>
+            <a:spLocks noGrp="1"/>
+          </p:cNvSpPr>
+          <p:nvPr>
+            <p:ph idx="1"/>
+          </p:nvPr>
+        </p:nvSpPr>
+        <p:spPr/>
+        <p:txBody>
+          <a:bodyPr/>
+          <a:lstStyle/>
+          <a:p>
+            <a:pPr marL="0" indent="0">
+              <a:buNone/>
+            </a:pPr>
+            <a:r>
+              <a:rPr lang="en-US" dirty="0"/>
+              <a:t>Cannot Define our Own Instance Variables</a:t>
+            </a:r>
+          </a:p>
+          <a:p>
+            <a:pPr lvl="1"/>
+            <a:r>
+              <a:rPr lang="en-US" dirty="0"/>
+              <a:t>When we define the header, it represents the state of our record class. </a:t>
+            </a:r>
+          </a:p>
+          <a:p>
+            <a:pPr lvl="1"/>
+            <a:r>
+              <a:rPr lang="en-US" dirty="0"/>
+              <a:t>This means we cannot have any other instance variable inside the record. </a:t>
+            </a:r>
+          </a:p>
+          <a:p>
+            <a:pPr lvl="1"/>
+            <a:r>
+              <a:rPr lang="en-US" dirty="0"/>
+              <a:t>The only instance variable that would be created is the ones provided in the header component. However, we can have static variables inside records that can be accessed the same way as classes by using the record class name.</a:t>
+            </a:r>
+            <a:endParaRPr lang="en-IN" dirty="0"/>
+          </a:p>
+        </p:txBody>
+      </p:sp>
+    </p:spTree>
+    <p:extLst>
+      <p:ext uri="{BB962C8B-B14F-4D97-AF65-F5344CB8AC3E}">
+        <p14:creationId xmlns:p14="http://schemas.microsoft.com/office/powerpoint/2010/main" val="3211545400"/>
+      </p:ext>
+    </p:extLst>
+  </p:cSld>
+  <p:clrMapOvr>
+    <a:masterClrMapping/>
+  </p:clrMapOvr>
+</p:sld>
+</file>
+
+<file path=ppt/slides/slide37.xml><?xml version="1.0" encoding="utf-8"?>
+<p:sld xmlns:a="http://schemas.openxmlformats.org/drawingml/2006/main" xmlns:r="http://schemas.openxmlformats.org/officeDocument/2006/relationships" xmlns:p="http://schemas.openxmlformats.org/presentationml/2006/main">
+  <p:cSld>
+    <p:spTree>
+      <p:nvGrpSpPr>
+        <p:cNvPr id="1" name=""/>
+        <p:cNvGrpSpPr/>
+        <p:nvPr/>
+      </p:nvGrpSpPr>
+      <p:grpSpPr>
+        <a:xfrm>
+          <a:off x="0" y="0"/>
+          <a:ext cx="0" cy="0"/>
+          <a:chOff x="0" y="0"/>
+          <a:chExt cx="0" cy="0"/>
+        </a:xfrm>
+      </p:grpSpPr>
+      <p:sp>
+        <p:nvSpPr>
+          <p:cNvPr id="2" name="Title 1">
+            <a:extLst>
+              <a:ext uri="{FF2B5EF4-FFF2-40B4-BE49-F238E27FC236}">
+                <a16:creationId xmlns:a16="http://schemas.microsoft.com/office/drawing/2014/main" id="{D7436185-AF67-845C-5683-55D3452411D1}"/>
+              </a:ext>
+            </a:extLst>
+          </p:cNvPr>
+          <p:cNvSpPr>
+            <a:spLocks noGrp="1"/>
+          </p:cNvSpPr>
+          <p:nvPr>
+            <p:ph type="title"/>
+          </p:nvPr>
+        </p:nvSpPr>
+        <p:spPr/>
+        <p:txBody>
+          <a:bodyPr/>
+          <a:lstStyle/>
+          <a:p>
+            <a:r>
+              <a:rPr lang="en-IN" dirty="0"/>
+              <a:t>Record</a:t>
+            </a:r>
+          </a:p>
+        </p:txBody>
+      </p:sp>
+      <p:sp>
+        <p:nvSpPr>
+          <p:cNvPr id="3" name="Content Placeholder 2">
+            <a:extLst>
+              <a:ext uri="{FF2B5EF4-FFF2-40B4-BE49-F238E27FC236}">
+                <a16:creationId xmlns:a16="http://schemas.microsoft.com/office/drawing/2014/main" id="{D03F370A-4F46-3F7B-D89C-3ECEC7459A3B}"/>
+              </a:ext>
+            </a:extLst>
+          </p:cNvPr>
+          <p:cNvSpPr>
+            <a:spLocks noGrp="1"/>
+          </p:cNvSpPr>
+          <p:nvPr>
+            <p:ph idx="1"/>
+          </p:nvPr>
+        </p:nvSpPr>
+        <p:spPr/>
+        <p:txBody>
+          <a:bodyPr/>
+          <a:lstStyle/>
+          <a:p>
+            <a:pPr marL="0" indent="0">
+              <a:buNone/>
+            </a:pPr>
+            <a:r>
+              <a:rPr lang="en-IN" dirty="0"/>
+              <a:t>Defining Your Own Methods</a:t>
+            </a:r>
+          </a:p>
+          <a:p>
+            <a:pPr lvl="1"/>
+            <a:r>
+              <a:rPr lang="en-US" b="0" i="0" dirty="0">
+                <a:solidFill>
+                  <a:srgbClr val="222635"/>
+                </a:solidFill>
+                <a:effectLst/>
+                <a:latin typeface="Cambria" panose="02040503050406030204" pitchFamily="18" charset="0"/>
+              </a:rPr>
+              <a:t>We can define our own methods that we would want to use inside a record, including our own version of the accessor, equals, or even </a:t>
+            </a:r>
+            <a:r>
+              <a:rPr lang="en-US" b="0" i="0" dirty="0" err="1">
+                <a:solidFill>
+                  <a:srgbClr val="222635"/>
+                </a:solidFill>
+                <a:effectLst/>
+                <a:latin typeface="Cambria" panose="02040503050406030204" pitchFamily="18" charset="0"/>
+              </a:rPr>
+              <a:t>hashcode</a:t>
+            </a:r>
+            <a:r>
+              <a:rPr lang="en-US" b="0" i="0" dirty="0">
+                <a:solidFill>
+                  <a:srgbClr val="222635"/>
+                </a:solidFill>
+                <a:effectLst/>
+                <a:latin typeface="Cambria" panose="02040503050406030204" pitchFamily="18" charset="0"/>
+              </a:rPr>
+              <a:t> methods. Yet, we need to ensure that we do not make any changes that would result in breaking what immutability means.</a:t>
+            </a:r>
+          </a:p>
+          <a:p>
+            <a:pPr lvl="1"/>
+            <a:r>
+              <a:rPr lang="en-US" b="0" i="0" dirty="0">
+                <a:solidFill>
+                  <a:srgbClr val="222635"/>
+                </a:solidFill>
+                <a:effectLst/>
+                <a:latin typeface="Cambria" panose="02040503050406030204" pitchFamily="18" charset="0"/>
+              </a:rPr>
+              <a:t>We can also define the static methods and static initializers similar to how we have it in class declarations.</a:t>
+            </a:r>
+          </a:p>
+          <a:p>
+            <a:endParaRPr lang="en-IN" dirty="0"/>
+          </a:p>
+        </p:txBody>
+      </p:sp>
+    </p:spTree>
+    <p:extLst>
+      <p:ext uri="{BB962C8B-B14F-4D97-AF65-F5344CB8AC3E}">
+        <p14:creationId xmlns:p14="http://schemas.microsoft.com/office/powerpoint/2010/main" val="924455338"/>
+      </p:ext>
+    </p:extLst>
+  </p:cSld>
+  <p:clrMapOvr>
+    <a:masterClrMapping/>
+  </p:clrMapOvr>
+</p:sld>
+</file>
+
+<file path=ppt/slides/slide38.xml><?xml version="1.0" encoding="utf-8"?>
+<p:sld xmlns:a="http://schemas.openxmlformats.org/drawingml/2006/main" xmlns:r="http://schemas.openxmlformats.org/officeDocument/2006/relationships" xmlns:p="http://schemas.openxmlformats.org/presentationml/2006/main">
+  <p:cSld>
+    <p:spTree>
+      <p:nvGrpSpPr>
+        <p:cNvPr id="1" name=""/>
+        <p:cNvGrpSpPr/>
+        <p:nvPr/>
+      </p:nvGrpSpPr>
+      <p:grpSpPr>
+        <a:xfrm>
+          <a:off x="0" y="0"/>
+          <a:ext cx="0" cy="0"/>
+          <a:chOff x="0" y="0"/>
+          <a:chExt cx="0" cy="0"/>
+        </a:xfrm>
+      </p:grpSpPr>
+      <p:sp>
+        <p:nvSpPr>
+          <p:cNvPr id="2" name="Title 1">
+            <a:extLst>
+              <a:ext uri="{FF2B5EF4-FFF2-40B4-BE49-F238E27FC236}">
+                <a16:creationId xmlns:a16="http://schemas.microsoft.com/office/drawing/2014/main" id="{63D98575-E62A-6865-F01E-A4A6B8BAC630}"/>
+              </a:ext>
+            </a:extLst>
+          </p:cNvPr>
+          <p:cNvSpPr>
+            <a:spLocks noGrp="1"/>
+          </p:cNvSpPr>
+          <p:nvPr>
+            <p:ph type="title"/>
+          </p:nvPr>
+        </p:nvSpPr>
+        <p:spPr/>
+        <p:txBody>
+          <a:bodyPr/>
+          <a:lstStyle/>
+          <a:p>
+            <a:r>
+              <a:rPr lang="en-IN" dirty="0"/>
+              <a:t>Record</a:t>
+            </a:r>
+          </a:p>
+        </p:txBody>
+      </p:sp>
+      <p:sp>
+        <p:nvSpPr>
+          <p:cNvPr id="3" name="Content Placeholder 2">
+            <a:extLst>
+              <a:ext uri="{FF2B5EF4-FFF2-40B4-BE49-F238E27FC236}">
+                <a16:creationId xmlns:a16="http://schemas.microsoft.com/office/drawing/2014/main" id="{8CF9EFF6-990C-3029-A689-150E878044DD}"/>
+              </a:ext>
+            </a:extLst>
+          </p:cNvPr>
+          <p:cNvSpPr>
+            <a:spLocks noGrp="1"/>
+          </p:cNvSpPr>
+          <p:nvPr>
+            <p:ph idx="1"/>
+          </p:nvPr>
+        </p:nvSpPr>
+        <p:spPr/>
+        <p:txBody>
+          <a:bodyPr>
+            <a:normAutofit/>
+          </a:bodyPr>
+          <a:lstStyle/>
+          <a:p>
+            <a:pPr marL="0" indent="0">
+              <a:buNone/>
+            </a:pPr>
+            <a:r>
+              <a:rPr lang="en-IN" dirty="0"/>
+              <a:t>Applying Annotations</a:t>
+            </a:r>
+          </a:p>
+          <a:p>
+            <a:pPr marL="457200" lvl="1" indent="0">
+              <a:buNone/>
+            </a:pPr>
+            <a:r>
+              <a:rPr lang="en-US" dirty="0"/>
+              <a:t>Now, the important thing about applying annotations is that when defining the annotations, we can apply them to the record components. </a:t>
+            </a:r>
+          </a:p>
+          <a:p>
+            <a:pPr marL="457200" lvl="1" indent="0">
+              <a:buNone/>
+            </a:pPr>
+            <a:r>
+              <a:rPr lang="en-US" dirty="0"/>
+              <a:t>Annotation applies to the scopes depending on the target scope of your annotation. </a:t>
+            </a:r>
+          </a:p>
+          <a:p>
+            <a:pPr marL="457200" lvl="1" indent="0">
+              <a:buNone/>
+            </a:pPr>
+            <a:r>
+              <a:rPr lang="en-US" dirty="0"/>
+              <a:t>Let’s look at the different cases.</a:t>
+            </a:r>
+          </a:p>
+          <a:p>
+            <a:pPr lvl="1"/>
+            <a:endParaRPr lang="en-US" dirty="0"/>
+          </a:p>
+          <a:p>
+            <a:pPr lvl="2"/>
+            <a:r>
+              <a:rPr lang="en-US" dirty="0"/>
+              <a:t>If the annotation is targeted to fields, then it’s applied to the private instance variable.</a:t>
+            </a:r>
+          </a:p>
+          <a:p>
+            <a:pPr lvl="2"/>
+            <a:r>
+              <a:rPr lang="en-US" dirty="0"/>
+              <a:t>In the case of the target is a method, it would be applied to the accessor method.</a:t>
+            </a:r>
+          </a:p>
+          <a:p>
+            <a:pPr lvl="2"/>
+            <a:r>
+              <a:rPr lang="en-US" dirty="0"/>
+              <a:t>If the annotation refers to the header arguments, then they would refer to the parameters of the canonical constructor arguments.</a:t>
+            </a:r>
+            <a:endParaRPr lang="en-IN" dirty="0"/>
+          </a:p>
+        </p:txBody>
+      </p:sp>
+    </p:spTree>
+    <p:extLst>
+      <p:ext uri="{BB962C8B-B14F-4D97-AF65-F5344CB8AC3E}">
+        <p14:creationId xmlns:p14="http://schemas.microsoft.com/office/powerpoint/2010/main" val="1519687716"/>
+      </p:ext>
+    </p:extLst>
+  </p:cSld>
+  <p:clrMapOvr>
+    <a:masterClrMapping/>
+  </p:clrMapOvr>
+</p:sld>
+</file>
+
+<file path=ppt/slides/slide39.xml><?xml version="1.0" encoding="utf-8"?>
+<p:sld xmlns:a="http://schemas.openxmlformats.org/drawingml/2006/main" xmlns:r="http://schemas.openxmlformats.org/officeDocument/2006/relationships" xmlns:p="http://schemas.openxmlformats.org/presentationml/2006/main">
+  <p:cSld>
+    <p:spTree>
+      <p:nvGrpSpPr>
+        <p:cNvPr id="1" name=""/>
+        <p:cNvGrpSpPr/>
+        <p:nvPr/>
+      </p:nvGrpSpPr>
+      <p:grpSpPr>
+        <a:xfrm>
+          <a:off x="0" y="0"/>
+          <a:ext cx="0" cy="0"/>
+          <a:chOff x="0" y="0"/>
+          <a:chExt cx="0" cy="0"/>
+        </a:xfrm>
+      </p:grpSpPr>
+      <p:sp>
+        <p:nvSpPr>
+          <p:cNvPr id="2" name="Title 1">
+            <a:extLst>
+              <a:ext uri="{FF2B5EF4-FFF2-40B4-BE49-F238E27FC236}">
+                <a16:creationId xmlns:a16="http://schemas.microsoft.com/office/drawing/2014/main" id="{82CAA64E-18C0-CDC5-DCAC-7AB225D09D05}"/>
+              </a:ext>
+            </a:extLst>
+          </p:cNvPr>
+          <p:cNvSpPr>
+            <a:spLocks noGrp="1"/>
+          </p:cNvSpPr>
+          <p:nvPr>
+            <p:ph type="title"/>
+          </p:nvPr>
+        </p:nvSpPr>
+        <p:spPr/>
+        <p:txBody>
+          <a:bodyPr/>
+          <a:lstStyle/>
+          <a:p>
+            <a:r>
+              <a:rPr lang="en-IN" dirty="0"/>
+              <a:t>Record – Local Records</a:t>
+            </a:r>
+          </a:p>
+        </p:txBody>
+      </p:sp>
+      <p:sp>
+        <p:nvSpPr>
+          <p:cNvPr id="3" name="Content Placeholder 2">
+            <a:extLst>
+              <a:ext uri="{FF2B5EF4-FFF2-40B4-BE49-F238E27FC236}">
+                <a16:creationId xmlns:a16="http://schemas.microsoft.com/office/drawing/2014/main" id="{BE641F2E-082F-7106-9013-DAABC7D13E03}"/>
+              </a:ext>
+            </a:extLst>
+          </p:cNvPr>
+          <p:cNvSpPr>
+            <a:spLocks noGrp="1"/>
+          </p:cNvSpPr>
+          <p:nvPr>
+            <p:ph idx="1"/>
+          </p:nvPr>
+        </p:nvSpPr>
+        <p:spPr/>
+        <p:txBody>
+          <a:bodyPr>
+            <a:normAutofit fontScale="92500" lnSpcReduction="20000"/>
+          </a:bodyPr>
+          <a:lstStyle/>
+          <a:p>
+            <a:r>
+              <a:rPr lang="en-US" dirty="0"/>
+              <a:t>We can see records have a very useful place when we just want to temporarily hold immutable data inside a function. </a:t>
+            </a:r>
+          </a:p>
+          <a:p>
+            <a:r>
+              <a:rPr lang="en-US" dirty="0"/>
+              <a:t>For example</a:t>
+            </a:r>
+            <a:endParaRPr lang="en-IN" dirty="0"/>
+          </a:p>
+          <a:p>
+            <a:pPr marL="457200" lvl="1" indent="0">
+              <a:buNone/>
+            </a:pPr>
+            <a:r>
+              <a:rPr lang="en-US" dirty="0"/>
+              <a:t>public List&lt;Person&gt; </a:t>
+            </a:r>
+            <a:r>
+              <a:rPr lang="en-US" dirty="0" err="1"/>
+              <a:t>sortPeopleByAge</a:t>
+            </a:r>
+            <a:r>
+              <a:rPr lang="en-US" dirty="0"/>
+              <a:t>(List&lt;Person&gt; people) {</a:t>
+            </a:r>
+          </a:p>
+          <a:p>
+            <a:pPr marL="457200" lvl="1" indent="0">
+              <a:buNone/>
+            </a:pPr>
+            <a:r>
+              <a:rPr lang="en-US" dirty="0"/>
+              <a:t>    </a:t>
+            </a:r>
+          </a:p>
+          <a:p>
+            <a:pPr marL="457200" lvl="1" indent="0">
+              <a:buNone/>
+            </a:pPr>
+            <a:r>
+              <a:rPr lang="en-US" dirty="0"/>
+              <a:t>    record Data(Person </a:t>
+            </a:r>
+            <a:r>
+              <a:rPr lang="en-US" dirty="0" err="1"/>
+              <a:t>person</a:t>
+            </a:r>
+            <a:r>
+              <a:rPr lang="en-US" dirty="0"/>
+              <a:t>, int age){};</a:t>
+            </a:r>
+          </a:p>
+          <a:p>
+            <a:pPr marL="457200" lvl="1" indent="0">
+              <a:buNone/>
+            </a:pPr>
+            <a:endParaRPr lang="en-US" dirty="0"/>
+          </a:p>
+          <a:p>
+            <a:pPr marL="457200" lvl="1" indent="0">
+              <a:buNone/>
+            </a:pPr>
+            <a:r>
+              <a:rPr lang="en-US" dirty="0"/>
+              <a:t>    return </a:t>
+            </a:r>
+            <a:r>
+              <a:rPr lang="en-US" dirty="0" err="1"/>
+              <a:t>people.stream</a:t>
+            </a:r>
+            <a:r>
+              <a:rPr lang="en-US" dirty="0"/>
+              <a:t>()</a:t>
+            </a:r>
+          </a:p>
+          <a:p>
+            <a:pPr marL="457200" lvl="1" indent="0">
+              <a:buNone/>
+            </a:pPr>
+            <a:r>
+              <a:rPr lang="en-US" dirty="0"/>
+              <a:t>            .map(person -&gt; new Data(person, </a:t>
+            </a:r>
+            <a:r>
+              <a:rPr lang="en-US" dirty="0" err="1"/>
+              <a:t>computeAge</a:t>
+            </a:r>
+            <a:r>
+              <a:rPr lang="en-US" dirty="0"/>
+              <a:t>(person)))</a:t>
+            </a:r>
+          </a:p>
+          <a:p>
+            <a:pPr marL="457200" lvl="1" indent="0">
+              <a:buNone/>
+            </a:pPr>
+            <a:r>
+              <a:rPr lang="en-US" dirty="0"/>
+              <a:t>            .sorted((d1, d2) -&gt; </a:t>
+            </a:r>
+            <a:r>
+              <a:rPr lang="en-US" dirty="0" err="1"/>
+              <a:t>Double.compare</a:t>
+            </a:r>
+            <a:r>
+              <a:rPr lang="en-US" dirty="0"/>
+              <a:t>(d2.age(), d1.age()))</a:t>
+            </a:r>
+          </a:p>
+          <a:p>
+            <a:pPr marL="457200" lvl="1" indent="0">
+              <a:buNone/>
+            </a:pPr>
+            <a:r>
+              <a:rPr lang="en-US" dirty="0"/>
+              <a:t>            .map(Data::person)</a:t>
+            </a:r>
+          </a:p>
+          <a:p>
+            <a:pPr marL="457200" lvl="1" indent="0">
+              <a:buNone/>
+            </a:pPr>
+            <a:r>
+              <a:rPr lang="en-US" dirty="0"/>
+              <a:t>            .collect(</a:t>
+            </a:r>
+            <a:r>
+              <a:rPr lang="en-US" dirty="0" err="1"/>
+              <a:t>toList</a:t>
+            </a:r>
+            <a:r>
+              <a:rPr lang="en-US" dirty="0"/>
+              <a:t>());</a:t>
+            </a:r>
+          </a:p>
+          <a:p>
+            <a:pPr marL="457200" lvl="1" indent="0">
+              <a:buNone/>
+            </a:pPr>
+            <a:r>
+              <a:rPr lang="en-US" dirty="0"/>
+              <a:t>}</a:t>
+            </a:r>
+          </a:p>
+        </p:txBody>
+      </p:sp>
+    </p:spTree>
+    <p:extLst>
+      <p:ext uri="{BB962C8B-B14F-4D97-AF65-F5344CB8AC3E}">
+        <p14:creationId xmlns:p14="http://schemas.microsoft.com/office/powerpoint/2010/main" val="2470218246"/>
       </p:ext>
     </p:extLst>
   </p:cSld>
@@ -9409,6 +12606,1138 @@
     <p:extLst>
       <p:ext uri="{BB962C8B-B14F-4D97-AF65-F5344CB8AC3E}">
         <p14:creationId xmlns:p14="http://schemas.microsoft.com/office/powerpoint/2010/main" val="2757816014"/>
+      </p:ext>
+    </p:extLst>
+  </p:cSld>
+  <p:clrMapOvr>
+    <a:masterClrMapping/>
+  </p:clrMapOvr>
+</p:sld>
+</file>
+
+<file path=ppt/slides/slide40.xml><?xml version="1.0" encoding="utf-8"?>
+<p:sld xmlns:a="http://schemas.openxmlformats.org/drawingml/2006/main" xmlns:r="http://schemas.openxmlformats.org/officeDocument/2006/relationships" xmlns:p="http://schemas.openxmlformats.org/presentationml/2006/main">
+  <p:cSld>
+    <p:spTree>
+      <p:nvGrpSpPr>
+        <p:cNvPr id="1" name=""/>
+        <p:cNvGrpSpPr/>
+        <p:nvPr/>
+      </p:nvGrpSpPr>
+      <p:grpSpPr>
+        <a:xfrm>
+          <a:off x="0" y="0"/>
+          <a:ext cx="0" cy="0"/>
+          <a:chOff x="0" y="0"/>
+          <a:chExt cx="0" cy="0"/>
+        </a:xfrm>
+      </p:grpSpPr>
+      <p:sp>
+        <p:nvSpPr>
+          <p:cNvPr id="2" name="Title 1">
+            <a:extLst>
+              <a:ext uri="{FF2B5EF4-FFF2-40B4-BE49-F238E27FC236}">
+                <a16:creationId xmlns:a16="http://schemas.microsoft.com/office/drawing/2014/main" id="{821D0534-8E76-E930-DDB6-4695B44DC6AE}"/>
+              </a:ext>
+            </a:extLst>
+          </p:cNvPr>
+          <p:cNvSpPr>
+            <a:spLocks noGrp="1"/>
+          </p:cNvSpPr>
+          <p:nvPr>
+            <p:ph type="title"/>
+          </p:nvPr>
+        </p:nvSpPr>
+        <p:spPr/>
+        <p:txBody>
+          <a:bodyPr/>
+          <a:lstStyle/>
+          <a:p>
+            <a:r>
+              <a:rPr lang="en-IN" dirty="0"/>
+              <a:t>Text Blocks</a:t>
+            </a:r>
+          </a:p>
+        </p:txBody>
+      </p:sp>
+      <p:sp>
+        <p:nvSpPr>
+          <p:cNvPr id="3" name="Content Placeholder 2">
+            <a:extLst>
+              <a:ext uri="{FF2B5EF4-FFF2-40B4-BE49-F238E27FC236}">
+                <a16:creationId xmlns:a16="http://schemas.microsoft.com/office/drawing/2014/main" id="{4BC60C9C-8D19-712D-274A-F832295B06C4}"/>
+              </a:ext>
+            </a:extLst>
+          </p:cNvPr>
+          <p:cNvSpPr>
+            <a:spLocks noGrp="1"/>
+          </p:cNvSpPr>
+          <p:nvPr>
+            <p:ph idx="1"/>
+          </p:nvPr>
+        </p:nvSpPr>
+        <p:spPr/>
+        <p:txBody>
+          <a:bodyPr>
+            <a:normAutofit fontScale="92500" lnSpcReduction="20000"/>
+          </a:bodyPr>
+          <a:lstStyle/>
+          <a:p>
+            <a:r>
+              <a:rPr lang="en-IN" dirty="0"/>
+              <a:t>Multiline Strings in Java</a:t>
+            </a:r>
+          </a:p>
+          <a:p>
+            <a:pPr lvl="1"/>
+            <a:r>
+              <a:rPr lang="en-US" dirty="0"/>
+              <a:t>Before Java 15, when we wanted to define a multi-line string in Java, it usually looked like this:</a:t>
+            </a:r>
+          </a:p>
+          <a:p>
+            <a:pPr marL="914400" lvl="2" indent="0">
+              <a:buNone/>
+            </a:pPr>
+            <a:r>
+              <a:rPr lang="en-IN" i="1" dirty="0"/>
+              <a:t>String </a:t>
+            </a:r>
+            <a:r>
+              <a:rPr lang="en-IN" i="1" dirty="0" err="1"/>
+              <a:t>sql</a:t>
+            </a:r>
+            <a:r>
+              <a:rPr lang="en-IN" i="1" dirty="0"/>
+              <a:t> =</a:t>
+            </a:r>
+          </a:p>
+          <a:p>
+            <a:pPr marL="914400" lvl="2" indent="0">
+              <a:buNone/>
+            </a:pPr>
+            <a:r>
+              <a:rPr lang="en-IN" i="1" dirty="0"/>
+              <a:t>    "  SELECT id, </a:t>
+            </a:r>
+            <a:r>
+              <a:rPr lang="en-IN" i="1" dirty="0" err="1"/>
+              <a:t>firstName</a:t>
+            </a:r>
+            <a:r>
+              <a:rPr lang="en-IN" i="1" dirty="0"/>
+              <a:t>, </a:t>
+            </a:r>
+            <a:r>
+              <a:rPr lang="en-IN" i="1" dirty="0" err="1"/>
+              <a:t>lastName</a:t>
+            </a:r>
+            <a:r>
+              <a:rPr lang="en-IN" i="1" dirty="0"/>
+              <a:t>\n"</a:t>
+            </a:r>
+          </a:p>
+          <a:p>
+            <a:pPr marL="914400" lvl="2" indent="0">
+              <a:buNone/>
+            </a:pPr>
+            <a:r>
+              <a:rPr lang="en-IN" i="1" dirty="0"/>
+              <a:t>        + "    FROM Employee\n"</a:t>
+            </a:r>
+          </a:p>
+          <a:p>
+            <a:pPr marL="914400" lvl="2" indent="0">
+              <a:buNone/>
+            </a:pPr>
+            <a:r>
+              <a:rPr lang="en-IN" i="1" dirty="0"/>
+              <a:t>        + "   WHERE </a:t>
+            </a:r>
+            <a:r>
+              <a:rPr lang="en-IN" i="1" dirty="0" err="1"/>
+              <a:t>departmentId</a:t>
+            </a:r>
+            <a:r>
+              <a:rPr lang="en-IN" i="1" dirty="0"/>
+              <a:t> = \"IT\"\n"</a:t>
+            </a:r>
+          </a:p>
+          <a:p>
+            <a:pPr marL="914400" lvl="2" indent="0">
+              <a:buNone/>
+            </a:pPr>
+            <a:r>
+              <a:rPr lang="en-IN" i="1" dirty="0"/>
+              <a:t>        + "ORDER BY </a:t>
+            </a:r>
+            <a:r>
+              <a:rPr lang="en-IN" i="1" dirty="0" err="1"/>
+              <a:t>lastName</a:t>
+            </a:r>
+            <a:r>
+              <a:rPr lang="en-IN" i="1" dirty="0"/>
+              <a:t>, </a:t>
+            </a:r>
+            <a:r>
+              <a:rPr lang="en-IN" i="1" dirty="0" err="1"/>
+              <a:t>firstName</a:t>
+            </a:r>
+            <a:r>
+              <a:rPr lang="en-IN" i="1" dirty="0"/>
+              <a:t>";</a:t>
+            </a:r>
+          </a:p>
+          <a:p>
+            <a:pPr marL="914400" lvl="2" indent="0">
+              <a:buNone/>
+            </a:pPr>
+            <a:endParaRPr lang="en-IN" i="1" dirty="0"/>
+          </a:p>
+          <a:p>
+            <a:pPr marL="914400" lvl="2" indent="0">
+              <a:buNone/>
+            </a:pPr>
+            <a:r>
+              <a:rPr lang="en-IN" i="1" dirty="0"/>
+              <a:t>String html =</a:t>
+            </a:r>
+          </a:p>
+          <a:p>
+            <a:pPr marL="914400" lvl="2" indent="0">
+              <a:buNone/>
+            </a:pPr>
+            <a:r>
+              <a:rPr lang="en-IN" i="1" dirty="0"/>
+              <a:t>    "&lt;html&gt;\n"</a:t>
+            </a:r>
+          </a:p>
+          <a:p>
+            <a:pPr marL="914400" lvl="2" indent="0">
+              <a:buNone/>
+            </a:pPr>
+            <a:r>
+              <a:rPr lang="en-IN" i="1" dirty="0"/>
+              <a:t>        + "  &lt;body&gt;\n"</a:t>
+            </a:r>
+          </a:p>
+          <a:p>
+            <a:pPr marL="914400" lvl="2" indent="0">
+              <a:buNone/>
+            </a:pPr>
+            <a:r>
+              <a:rPr lang="en-IN" i="1" dirty="0"/>
+              <a:t>        + "    &lt;p&gt;Hello World!&lt;/p&gt;\n"</a:t>
+            </a:r>
+          </a:p>
+          <a:p>
+            <a:pPr marL="914400" lvl="2" indent="0">
+              <a:buNone/>
+            </a:pPr>
+            <a:r>
+              <a:rPr lang="en-IN" i="1" dirty="0"/>
+              <a:t>        + "  &lt;/body&gt;\n"</a:t>
+            </a:r>
+          </a:p>
+          <a:p>
+            <a:pPr marL="914400" lvl="2" indent="0">
+              <a:buNone/>
+            </a:pPr>
+            <a:r>
+              <a:rPr lang="en-IN" i="1" dirty="0"/>
+              <a:t>        + "&lt;/html&gt;";</a:t>
+            </a:r>
+          </a:p>
+        </p:txBody>
+      </p:sp>
+    </p:spTree>
+    <p:extLst>
+      <p:ext uri="{BB962C8B-B14F-4D97-AF65-F5344CB8AC3E}">
+        <p14:creationId xmlns:p14="http://schemas.microsoft.com/office/powerpoint/2010/main" val="401758691"/>
+      </p:ext>
+    </p:extLst>
+  </p:cSld>
+  <p:clrMapOvr>
+    <a:masterClrMapping/>
+  </p:clrMapOvr>
+</p:sld>
+</file>
+
+<file path=ppt/slides/slide41.xml><?xml version="1.0" encoding="utf-8"?>
+<p:sld xmlns:a="http://schemas.openxmlformats.org/drawingml/2006/main" xmlns:r="http://schemas.openxmlformats.org/officeDocument/2006/relationships" xmlns:p="http://schemas.openxmlformats.org/presentationml/2006/main">
+  <p:cSld>
+    <p:spTree>
+      <p:nvGrpSpPr>
+        <p:cNvPr id="1" name=""/>
+        <p:cNvGrpSpPr/>
+        <p:nvPr/>
+      </p:nvGrpSpPr>
+      <p:grpSpPr>
+        <a:xfrm>
+          <a:off x="0" y="0"/>
+          <a:ext cx="0" cy="0"/>
+          <a:chOff x="0" y="0"/>
+          <a:chExt cx="0" cy="0"/>
+        </a:xfrm>
+      </p:grpSpPr>
+      <p:sp>
+        <p:nvSpPr>
+          <p:cNvPr id="2" name="Title 1">
+            <a:extLst>
+              <a:ext uri="{FF2B5EF4-FFF2-40B4-BE49-F238E27FC236}">
+                <a16:creationId xmlns:a16="http://schemas.microsoft.com/office/drawing/2014/main" id="{B88CF620-1A86-1359-831E-9C883025D4FC}"/>
+              </a:ext>
+            </a:extLst>
+          </p:cNvPr>
+          <p:cNvSpPr>
+            <a:spLocks noGrp="1"/>
+          </p:cNvSpPr>
+          <p:nvPr>
+            <p:ph type="title"/>
+          </p:nvPr>
+        </p:nvSpPr>
+        <p:spPr/>
+        <p:txBody>
+          <a:bodyPr/>
+          <a:lstStyle/>
+          <a:p>
+            <a:r>
+              <a:rPr lang="en-IN" dirty="0"/>
+              <a:t>Text Block  Notation</a:t>
+            </a:r>
+          </a:p>
+        </p:txBody>
+      </p:sp>
+      <p:sp>
+        <p:nvSpPr>
+          <p:cNvPr id="3" name="Content Placeholder 2">
+            <a:extLst>
+              <a:ext uri="{FF2B5EF4-FFF2-40B4-BE49-F238E27FC236}">
+                <a16:creationId xmlns:a16="http://schemas.microsoft.com/office/drawing/2014/main" id="{F59CBD9A-0CBB-3B9A-739A-41094471F992}"/>
+              </a:ext>
+            </a:extLst>
+          </p:cNvPr>
+          <p:cNvSpPr>
+            <a:spLocks noGrp="1"/>
+          </p:cNvSpPr>
+          <p:nvPr>
+            <p:ph idx="1"/>
+          </p:nvPr>
+        </p:nvSpPr>
+        <p:spPr>
+          <a:xfrm>
+            <a:off x="375211" y="1466810"/>
+            <a:ext cx="11523563" cy="5391190"/>
+          </a:xfrm>
+        </p:spPr>
+        <p:txBody>
+          <a:bodyPr>
+            <a:noAutofit/>
+          </a:bodyPr>
+          <a:lstStyle/>
+          <a:p>
+            <a:r>
+              <a:rPr lang="en-US" sz="1600" dirty="0"/>
+              <a:t>Starting with Java 15, we can notate multiline strings as "text blocks":</a:t>
+            </a:r>
+          </a:p>
+          <a:p>
+            <a:pPr marL="457200" lvl="1" indent="0">
+              <a:buNone/>
+            </a:pPr>
+            <a:r>
+              <a:rPr lang="en-US" sz="1600" i="1" dirty="0"/>
+              <a:t>String </a:t>
+            </a:r>
+            <a:r>
+              <a:rPr lang="en-US" sz="1600" i="1" dirty="0" err="1"/>
+              <a:t>sql</a:t>
+            </a:r>
+            <a:r>
+              <a:rPr lang="en-US" sz="1600" i="1" dirty="0"/>
+              <a:t> = """</a:t>
+            </a:r>
+          </a:p>
+          <a:p>
+            <a:pPr marL="457200" lvl="1" indent="0">
+              <a:buNone/>
+            </a:pPr>
+            <a:r>
+              <a:rPr lang="en-US" sz="1600" i="1" dirty="0"/>
+              <a:t>      SELECT id, </a:t>
+            </a:r>
+            <a:r>
+              <a:rPr lang="en-US" sz="1600" i="1" dirty="0" err="1"/>
+              <a:t>firstName</a:t>
+            </a:r>
+            <a:r>
+              <a:rPr lang="en-US" sz="1600" i="1" dirty="0"/>
+              <a:t>, </a:t>
+            </a:r>
+            <a:r>
+              <a:rPr lang="en-US" sz="1600" i="1" dirty="0" err="1"/>
+              <a:t>lastName</a:t>
+            </a:r>
+            <a:endParaRPr lang="en-US" sz="1600" i="1" dirty="0"/>
+          </a:p>
+          <a:p>
+            <a:pPr marL="457200" lvl="1" indent="0">
+              <a:buNone/>
+            </a:pPr>
+            <a:r>
+              <a:rPr lang="en-US" sz="1600" i="1" dirty="0"/>
+              <a:t>        FROM Employee</a:t>
+            </a:r>
+          </a:p>
+          <a:p>
+            <a:pPr marL="457200" lvl="1" indent="0">
+              <a:buNone/>
+            </a:pPr>
+            <a:r>
+              <a:rPr lang="en-US" sz="1600" i="1" dirty="0"/>
+              <a:t>       WHERE </a:t>
+            </a:r>
+            <a:r>
+              <a:rPr lang="en-US" sz="1600" i="1" dirty="0" err="1"/>
+              <a:t>departmentId</a:t>
+            </a:r>
+            <a:r>
+              <a:rPr lang="en-US" sz="1600" i="1" dirty="0"/>
+              <a:t> = "IT"</a:t>
+            </a:r>
+          </a:p>
+          <a:p>
+            <a:pPr marL="457200" lvl="1" indent="0">
+              <a:buNone/>
+            </a:pPr>
+            <a:r>
+              <a:rPr lang="en-US" sz="1600" i="1" dirty="0"/>
+              <a:t>    ORDER BY </a:t>
+            </a:r>
+            <a:r>
+              <a:rPr lang="en-US" sz="1600" i="1" dirty="0" err="1"/>
+              <a:t>lastName</a:t>
+            </a:r>
+            <a:r>
+              <a:rPr lang="en-US" sz="1600" i="1" dirty="0"/>
+              <a:t>, </a:t>
+            </a:r>
+            <a:r>
+              <a:rPr lang="en-US" sz="1600" i="1" dirty="0" err="1"/>
+              <a:t>firstName</a:t>
+            </a:r>
+            <a:r>
+              <a:rPr lang="en-US" sz="1600" i="1" dirty="0"/>
+              <a:t>""";</a:t>
+            </a:r>
+          </a:p>
+          <a:p>
+            <a:pPr marL="457200" lvl="1" indent="0">
+              <a:buNone/>
+            </a:pPr>
+            <a:endParaRPr lang="en-US" sz="1600" i="1" dirty="0"/>
+          </a:p>
+          <a:p>
+            <a:pPr marL="457200" lvl="1" indent="0">
+              <a:buNone/>
+            </a:pPr>
+            <a:r>
+              <a:rPr lang="en-US" sz="1600" i="1" dirty="0"/>
+              <a:t>String html = """</a:t>
+            </a:r>
+          </a:p>
+          <a:p>
+            <a:pPr marL="457200" lvl="1" indent="0">
+              <a:buNone/>
+            </a:pPr>
+            <a:r>
+              <a:rPr lang="en-US" sz="1600" i="1" dirty="0"/>
+              <a:t>    &lt;html&gt;</a:t>
+            </a:r>
+          </a:p>
+          <a:p>
+            <a:pPr marL="457200" lvl="1" indent="0">
+              <a:buNone/>
+            </a:pPr>
+            <a:r>
+              <a:rPr lang="en-US" sz="1600" i="1" dirty="0"/>
+              <a:t>      &lt;body&gt;</a:t>
+            </a:r>
+          </a:p>
+          <a:p>
+            <a:pPr marL="457200" lvl="1" indent="0">
+              <a:buNone/>
+            </a:pPr>
+            <a:r>
+              <a:rPr lang="en-US" sz="1600" i="1" dirty="0"/>
+              <a:t>        &lt;p&gt;Hello World!&lt;/p&gt;</a:t>
+            </a:r>
+          </a:p>
+          <a:p>
+            <a:pPr marL="457200" lvl="1" indent="0">
+              <a:buNone/>
+            </a:pPr>
+            <a:r>
+              <a:rPr lang="en-US" sz="1600" i="1" dirty="0"/>
+              <a:t>      &lt;/body&gt;</a:t>
+            </a:r>
+          </a:p>
+          <a:p>
+            <a:pPr marL="457200" lvl="1" indent="0">
+              <a:buNone/>
+            </a:pPr>
+            <a:r>
+              <a:rPr lang="en-US" sz="1600" i="1" dirty="0"/>
+              <a:t>    &lt;/html&gt;""";</a:t>
+            </a:r>
+          </a:p>
+          <a:p>
+            <a:pPr marL="0" indent="0" algn="l">
+              <a:buNone/>
+            </a:pPr>
+            <a:r>
+              <a:rPr lang="en-US" sz="1600" b="0" i="0" dirty="0">
+                <a:solidFill>
+                  <a:srgbClr val="222222"/>
+                </a:solidFill>
+                <a:effectLst/>
+              </a:rPr>
+              <a:t>The text block starts and ends with three quotation marks each. The following rules apply:</a:t>
+            </a:r>
+          </a:p>
+          <a:p>
+            <a:pPr lvl="1"/>
+            <a:r>
+              <a:rPr lang="en-US" sz="1600" b="0" i="0" dirty="0">
+                <a:solidFill>
+                  <a:srgbClr val="222222"/>
+                </a:solidFill>
+                <a:effectLst/>
+              </a:rPr>
+              <a:t>The </a:t>
+            </a:r>
+            <a:r>
+              <a:rPr lang="en-US" sz="1600" b="0" i="1" dirty="0">
+                <a:solidFill>
+                  <a:srgbClr val="222222"/>
+                </a:solidFill>
+                <a:effectLst/>
+              </a:rPr>
+              <a:t>starting</a:t>
+            </a:r>
+            <a:r>
+              <a:rPr lang="en-US" sz="1600" b="0" i="0" dirty="0">
+                <a:solidFill>
+                  <a:srgbClr val="222222"/>
+                </a:solidFill>
+                <a:effectLst/>
+              </a:rPr>
+              <a:t> quotes must be followed by a line break (which does not become part of the string).</a:t>
+            </a:r>
+          </a:p>
+          <a:p>
+            <a:pPr lvl="1"/>
+            <a:r>
+              <a:rPr lang="en-US" sz="1600" b="0" i="0" dirty="0">
+                <a:solidFill>
+                  <a:srgbClr val="222222"/>
+                </a:solidFill>
+                <a:effectLst/>
+              </a:rPr>
+              <a:t>If there is a line break before the ending quotes, this line break will be part of the string.</a:t>
+            </a:r>
+          </a:p>
+          <a:p>
+            <a:pPr lvl="1"/>
+            <a:r>
+              <a:rPr lang="en-US" sz="1600" b="0" i="0" dirty="0">
+                <a:solidFill>
+                  <a:srgbClr val="222222"/>
+                </a:solidFill>
+                <a:effectLst/>
+              </a:rPr>
+              <a:t>You do not need to escape single or double quotes within the text block, but you may (though SCA tools such as </a:t>
+            </a:r>
+            <a:r>
+              <a:rPr lang="en-US" sz="1600" b="0" i="0" dirty="0" err="1">
+                <a:solidFill>
+                  <a:srgbClr val="222222"/>
+                </a:solidFill>
+                <a:effectLst/>
+              </a:rPr>
+              <a:t>SonarLint</a:t>
+            </a:r>
+            <a:r>
+              <a:rPr lang="en-US" sz="1600" b="0" i="0" dirty="0">
+                <a:solidFill>
+                  <a:srgbClr val="222222"/>
+                </a:solidFill>
+                <a:effectLst/>
+              </a:rPr>
+              <a:t> recommend not doing so).</a:t>
+            </a:r>
+          </a:p>
+          <a:p>
+            <a:pPr lvl="1"/>
+            <a:r>
+              <a:rPr lang="en-US" sz="1600" b="0" i="0" dirty="0">
+                <a:solidFill>
+                  <a:srgbClr val="222222"/>
+                </a:solidFill>
+                <a:effectLst/>
+              </a:rPr>
+              <a:t>If you want to write more than two quotation marks, you have to escape every third of them.</a:t>
+            </a:r>
+          </a:p>
+          <a:p>
+            <a:pPr marL="914400" lvl="2" indent="0">
+              <a:buNone/>
+            </a:pPr>
+            <a:endParaRPr lang="en-IN" sz="1000" i="1" dirty="0"/>
+          </a:p>
+        </p:txBody>
+      </p:sp>
+    </p:spTree>
+    <p:extLst>
+      <p:ext uri="{BB962C8B-B14F-4D97-AF65-F5344CB8AC3E}">
+        <p14:creationId xmlns:p14="http://schemas.microsoft.com/office/powerpoint/2010/main" val="2434092372"/>
+      </p:ext>
+    </p:extLst>
+  </p:cSld>
+  <p:clrMapOvr>
+    <a:masterClrMapping/>
+  </p:clrMapOvr>
+</p:sld>
+</file>
+
+<file path=ppt/slides/slide42.xml><?xml version="1.0" encoding="utf-8"?>
+<p:sld xmlns:a="http://schemas.openxmlformats.org/drawingml/2006/main" xmlns:r="http://schemas.openxmlformats.org/officeDocument/2006/relationships" xmlns:p="http://schemas.openxmlformats.org/presentationml/2006/main">
+  <p:cSld>
+    <p:spTree>
+      <p:nvGrpSpPr>
+        <p:cNvPr id="1" name=""/>
+        <p:cNvGrpSpPr/>
+        <p:nvPr/>
+      </p:nvGrpSpPr>
+      <p:grpSpPr>
+        <a:xfrm>
+          <a:off x="0" y="0"/>
+          <a:ext cx="0" cy="0"/>
+          <a:chOff x="0" y="0"/>
+          <a:chExt cx="0" cy="0"/>
+        </a:xfrm>
+      </p:grpSpPr>
+      <p:sp>
+        <p:nvSpPr>
+          <p:cNvPr id="2" name="Title 1">
+            <a:extLst>
+              <a:ext uri="{FF2B5EF4-FFF2-40B4-BE49-F238E27FC236}">
+                <a16:creationId xmlns:a16="http://schemas.microsoft.com/office/drawing/2014/main" id="{4E0AC1EB-953F-B7FE-8DC2-90444451A536}"/>
+              </a:ext>
+            </a:extLst>
+          </p:cNvPr>
+          <p:cNvSpPr>
+            <a:spLocks noGrp="1"/>
+          </p:cNvSpPr>
+          <p:nvPr>
+            <p:ph type="title"/>
+          </p:nvPr>
+        </p:nvSpPr>
+        <p:spPr>
+          <a:xfrm>
+            <a:off x="282388" y="0"/>
+            <a:ext cx="10515600" cy="1325563"/>
+          </a:xfrm>
+        </p:spPr>
+        <p:txBody>
+          <a:bodyPr/>
+          <a:lstStyle/>
+          <a:p>
+            <a:r>
+              <a:rPr lang="en-IN" dirty="0"/>
+              <a:t>Text Blocks</a:t>
+            </a:r>
+          </a:p>
+        </p:txBody>
+      </p:sp>
+      <p:sp>
+        <p:nvSpPr>
+          <p:cNvPr id="3" name="Content Placeholder 2">
+            <a:extLst>
+              <a:ext uri="{FF2B5EF4-FFF2-40B4-BE49-F238E27FC236}">
+                <a16:creationId xmlns:a16="http://schemas.microsoft.com/office/drawing/2014/main" id="{93C068DF-0485-D511-9DC0-34D398B4698E}"/>
+              </a:ext>
+            </a:extLst>
+          </p:cNvPr>
+          <p:cNvSpPr>
+            <a:spLocks noGrp="1"/>
+          </p:cNvSpPr>
+          <p:nvPr>
+            <p:ph idx="1"/>
+          </p:nvPr>
+        </p:nvSpPr>
+        <p:spPr>
+          <a:xfrm>
+            <a:off x="345141" y="1046574"/>
+            <a:ext cx="10994985" cy="4764852"/>
+          </a:xfrm>
+        </p:spPr>
+        <p:txBody>
+          <a:bodyPr>
+            <a:noAutofit/>
+          </a:bodyPr>
+          <a:lstStyle/>
+          <a:p>
+            <a:pPr marL="0" indent="0">
+              <a:buNone/>
+            </a:pPr>
+            <a:r>
+              <a:rPr lang="en-US" sz="1200" dirty="0"/>
+              <a:t>One of the first questions developers ask themselves is:</a:t>
+            </a:r>
+          </a:p>
+          <a:p>
+            <a:pPr marL="0" indent="0">
+              <a:buNone/>
+            </a:pPr>
+            <a:r>
+              <a:rPr lang="en-US" sz="1200" dirty="0"/>
+              <a:t>	How Far Must the Text Block Be Indented?</a:t>
+            </a:r>
+          </a:p>
+          <a:p>
+            <a:pPr marL="0" indent="0">
+              <a:buNone/>
+            </a:pPr>
+            <a:r>
+              <a:rPr lang="en-US" sz="1200" dirty="0"/>
+              <a:t>The answer is: it doesn't matter.</a:t>
+            </a:r>
+          </a:p>
+          <a:p>
+            <a:pPr marL="0" indent="0">
+              <a:buNone/>
+            </a:pPr>
+            <a:r>
+              <a:rPr lang="en-US" sz="1200" dirty="0"/>
+              <a:t>The text block starts at the character furthest to the left (in the first example above, at the "O" of "ORDER BY"; and in the second example, at the angle brackets in the first and last line).</a:t>
+            </a:r>
+          </a:p>
+          <a:p>
+            <a:pPr marL="0" indent="0">
+              <a:buNone/>
+            </a:pPr>
+            <a:endParaRPr lang="en-US" sz="1200" dirty="0"/>
+          </a:p>
+          <a:p>
+            <a:pPr marL="0" indent="0">
+              <a:buNone/>
+            </a:pPr>
+            <a:r>
+              <a:rPr lang="en-US" sz="1200" dirty="0"/>
+              <a:t>The following three notations all lead to the same result:</a:t>
+            </a:r>
+          </a:p>
+          <a:p>
+            <a:pPr marL="457200" lvl="1" indent="0">
+              <a:buNone/>
+            </a:pPr>
+            <a:r>
+              <a:rPr lang="en-US" sz="1200" dirty="0"/>
+              <a:t> String sql1 = """</a:t>
+            </a:r>
+          </a:p>
+          <a:p>
+            <a:pPr marL="457200" lvl="1" indent="0">
+              <a:buNone/>
+            </a:pPr>
+            <a:r>
+              <a:rPr lang="en-US" sz="1200" dirty="0"/>
+              <a:t>          SELECT id, </a:t>
+            </a:r>
+            <a:r>
+              <a:rPr lang="en-US" sz="1200" dirty="0" err="1"/>
+              <a:t>firstName</a:t>
+            </a:r>
+            <a:r>
+              <a:rPr lang="en-US" sz="1200" dirty="0"/>
+              <a:t>, </a:t>
+            </a:r>
+            <a:r>
+              <a:rPr lang="en-US" sz="1200" dirty="0" err="1"/>
+              <a:t>lastName</a:t>
+            </a:r>
+            <a:endParaRPr lang="en-US" sz="1200" dirty="0"/>
+          </a:p>
+          <a:p>
+            <a:pPr marL="457200" lvl="1" indent="0">
+              <a:buNone/>
+            </a:pPr>
+            <a:r>
+              <a:rPr lang="en-US" sz="1200" dirty="0"/>
+              <a:t>            FROM Employee</a:t>
+            </a:r>
+          </a:p>
+          <a:p>
+            <a:pPr marL="457200" lvl="1" indent="0">
+              <a:buNone/>
+            </a:pPr>
+            <a:r>
+              <a:rPr lang="en-US" sz="1200" dirty="0"/>
+              <a:t>           WHERE </a:t>
+            </a:r>
+            <a:r>
+              <a:rPr lang="en-US" sz="1200" dirty="0" err="1"/>
+              <a:t>departmentId</a:t>
+            </a:r>
+            <a:r>
+              <a:rPr lang="en-US" sz="1200" dirty="0"/>
+              <a:t> = "IT"</a:t>
+            </a:r>
+          </a:p>
+          <a:p>
+            <a:pPr marL="457200" lvl="1" indent="0">
+              <a:buNone/>
+            </a:pPr>
+            <a:r>
+              <a:rPr lang="en-US" sz="1200" dirty="0"/>
+              <a:t>        ORDER BY </a:t>
+            </a:r>
+            <a:r>
+              <a:rPr lang="en-US" sz="1200" dirty="0" err="1"/>
+              <a:t>lastName</a:t>
+            </a:r>
+            <a:r>
+              <a:rPr lang="en-US" sz="1200" dirty="0"/>
+              <a:t>, </a:t>
+            </a:r>
+            <a:r>
+              <a:rPr lang="en-US" sz="1200" dirty="0" err="1"/>
+              <a:t>firstName</a:t>
+            </a:r>
+            <a:r>
+              <a:rPr lang="en-US" sz="1200" dirty="0"/>
+              <a:t>""";</a:t>
+            </a:r>
+          </a:p>
+          <a:p>
+            <a:pPr marL="457200" lvl="1" indent="0">
+              <a:buNone/>
+            </a:pPr>
+            <a:endParaRPr lang="en-US" sz="1200" dirty="0"/>
+          </a:p>
+          <a:p>
+            <a:pPr marL="457200" lvl="1" indent="0">
+              <a:buNone/>
+            </a:pPr>
+            <a:r>
+              <a:rPr lang="en-US" sz="1200" dirty="0"/>
+              <a:t>    String sql2 = """</a:t>
+            </a:r>
+          </a:p>
+          <a:p>
+            <a:pPr marL="457200" lvl="1" indent="0">
+              <a:buNone/>
+            </a:pPr>
+            <a:r>
+              <a:rPr lang="en-US" sz="1200" dirty="0"/>
+              <a:t>                   SELECT id, </a:t>
+            </a:r>
+            <a:r>
+              <a:rPr lang="en-US" sz="1200" dirty="0" err="1"/>
+              <a:t>firstName</a:t>
+            </a:r>
+            <a:r>
+              <a:rPr lang="en-US" sz="1200" dirty="0"/>
+              <a:t>, </a:t>
+            </a:r>
+            <a:r>
+              <a:rPr lang="en-US" sz="1200" dirty="0" err="1"/>
+              <a:t>lastName</a:t>
+            </a:r>
+            <a:endParaRPr lang="en-US" sz="1200" dirty="0"/>
+          </a:p>
+          <a:p>
+            <a:pPr marL="457200" lvl="1" indent="0">
+              <a:buNone/>
+            </a:pPr>
+            <a:r>
+              <a:rPr lang="en-US" sz="1200" dirty="0"/>
+              <a:t>                     FROM Employee</a:t>
+            </a:r>
+          </a:p>
+          <a:p>
+            <a:pPr marL="457200" lvl="1" indent="0">
+              <a:buNone/>
+            </a:pPr>
+            <a:r>
+              <a:rPr lang="en-US" sz="1200" dirty="0"/>
+              <a:t>                    WHERE </a:t>
+            </a:r>
+            <a:r>
+              <a:rPr lang="en-US" sz="1200" dirty="0" err="1"/>
+              <a:t>departmentId</a:t>
+            </a:r>
+            <a:r>
+              <a:rPr lang="en-US" sz="1200" dirty="0"/>
+              <a:t> = "IT"</a:t>
+            </a:r>
+          </a:p>
+          <a:p>
+            <a:pPr marL="457200" lvl="1" indent="0">
+              <a:buNone/>
+            </a:pPr>
+            <a:r>
+              <a:rPr lang="en-US" sz="1200" dirty="0"/>
+              <a:t>                 ORDER BY </a:t>
+            </a:r>
+            <a:r>
+              <a:rPr lang="en-US" sz="1200" dirty="0" err="1"/>
+              <a:t>lastName</a:t>
+            </a:r>
+            <a:r>
+              <a:rPr lang="en-US" sz="1200" dirty="0"/>
+              <a:t>, </a:t>
+            </a:r>
+            <a:r>
+              <a:rPr lang="en-US" sz="1200" dirty="0" err="1"/>
+              <a:t>firstName</a:t>
+            </a:r>
+            <a:r>
+              <a:rPr lang="en-US" sz="1200" dirty="0"/>
+              <a:t>""";</a:t>
+            </a:r>
+          </a:p>
+          <a:p>
+            <a:pPr marL="457200" lvl="1" indent="0">
+              <a:buNone/>
+            </a:pPr>
+            <a:endParaRPr lang="en-US" sz="1200" dirty="0"/>
+          </a:p>
+          <a:p>
+            <a:pPr marL="457200" lvl="1" indent="0">
+              <a:buNone/>
+            </a:pPr>
+            <a:r>
+              <a:rPr lang="en-US" sz="1200" dirty="0"/>
+              <a:t>    String sql3 = """</a:t>
+            </a:r>
+          </a:p>
+          <a:p>
+            <a:pPr marL="457200" lvl="1" indent="0">
+              <a:buNone/>
+            </a:pPr>
+            <a:r>
+              <a:rPr lang="en-US" sz="1200" dirty="0"/>
+              <a:t>  SELECT id, </a:t>
+            </a:r>
+            <a:r>
+              <a:rPr lang="en-US" sz="1200" dirty="0" err="1"/>
+              <a:t>firstName</a:t>
+            </a:r>
+            <a:r>
+              <a:rPr lang="en-US" sz="1200" dirty="0"/>
+              <a:t>, </a:t>
+            </a:r>
+            <a:r>
+              <a:rPr lang="en-US" sz="1200" dirty="0" err="1"/>
+              <a:t>lastName</a:t>
+            </a:r>
+            <a:endParaRPr lang="en-US" sz="1200" dirty="0"/>
+          </a:p>
+          <a:p>
+            <a:pPr marL="457200" lvl="1" indent="0">
+              <a:buNone/>
+            </a:pPr>
+            <a:r>
+              <a:rPr lang="en-US" sz="1200" dirty="0"/>
+              <a:t>    FROM Employee</a:t>
+            </a:r>
+          </a:p>
+          <a:p>
+            <a:pPr marL="457200" lvl="1" indent="0">
+              <a:buNone/>
+            </a:pPr>
+            <a:r>
+              <a:rPr lang="en-US" sz="1200" dirty="0"/>
+              <a:t>   WHERE </a:t>
+            </a:r>
+            <a:r>
+              <a:rPr lang="en-US" sz="1200" dirty="0" err="1"/>
+              <a:t>departmentId</a:t>
+            </a:r>
+            <a:r>
+              <a:rPr lang="en-US" sz="1200" dirty="0"/>
+              <a:t> = "IT"</a:t>
+            </a:r>
+          </a:p>
+          <a:p>
+            <a:pPr marL="457200" lvl="1" indent="0">
+              <a:buNone/>
+            </a:pPr>
+            <a:r>
+              <a:rPr lang="en-US" sz="1200" dirty="0"/>
+              <a:t>ORDER BY </a:t>
+            </a:r>
+            <a:r>
+              <a:rPr lang="en-US" sz="1200" dirty="0" err="1"/>
+              <a:t>lastName</a:t>
+            </a:r>
+            <a:r>
+              <a:rPr lang="en-US" sz="1200" dirty="0"/>
+              <a:t>, </a:t>
+            </a:r>
+            <a:r>
+              <a:rPr lang="en-US" sz="1200" dirty="0" err="1"/>
+              <a:t>firstName</a:t>
+            </a:r>
+            <a:r>
+              <a:rPr lang="en-US" sz="1200" dirty="0"/>
+              <a:t>""";</a:t>
+            </a:r>
+            <a:endParaRPr lang="en-IN" sz="1200" dirty="0"/>
+          </a:p>
+        </p:txBody>
+      </p:sp>
+    </p:spTree>
+    <p:extLst>
+      <p:ext uri="{BB962C8B-B14F-4D97-AF65-F5344CB8AC3E}">
+        <p14:creationId xmlns:p14="http://schemas.microsoft.com/office/powerpoint/2010/main" val="1128020940"/>
+      </p:ext>
+    </p:extLst>
+  </p:cSld>
+  <p:clrMapOvr>
+    <a:masterClrMapping/>
+  </p:clrMapOvr>
+</p:sld>
+</file>
+
+<file path=ppt/slides/slide43.xml><?xml version="1.0" encoding="utf-8"?>
+<p:sld xmlns:a="http://schemas.openxmlformats.org/drawingml/2006/main" xmlns:r="http://schemas.openxmlformats.org/officeDocument/2006/relationships" xmlns:p="http://schemas.openxmlformats.org/presentationml/2006/main">
+  <p:cSld>
+    <p:spTree>
+      <p:nvGrpSpPr>
+        <p:cNvPr id="1" name=""/>
+        <p:cNvGrpSpPr/>
+        <p:nvPr/>
+      </p:nvGrpSpPr>
+      <p:grpSpPr>
+        <a:xfrm>
+          <a:off x="0" y="0"/>
+          <a:ext cx="0" cy="0"/>
+          <a:chOff x="0" y="0"/>
+          <a:chExt cx="0" cy="0"/>
+        </a:xfrm>
+      </p:grpSpPr>
+      <p:sp>
+        <p:nvSpPr>
+          <p:cNvPr id="2" name="Title 1">
+            <a:extLst>
+              <a:ext uri="{FF2B5EF4-FFF2-40B4-BE49-F238E27FC236}">
+                <a16:creationId xmlns:a16="http://schemas.microsoft.com/office/drawing/2014/main" id="{3B23BEEA-B4E5-C367-97EE-522BC8BAA08E}"/>
+              </a:ext>
+            </a:extLst>
+          </p:cNvPr>
+          <p:cNvSpPr>
+            <a:spLocks noGrp="1"/>
+          </p:cNvSpPr>
+          <p:nvPr>
+            <p:ph type="title"/>
+          </p:nvPr>
+        </p:nvSpPr>
+        <p:spPr/>
+        <p:txBody>
+          <a:bodyPr/>
+          <a:lstStyle/>
+          <a:p>
+            <a:r>
+              <a:rPr lang="en-IN" dirty="0"/>
+              <a:t>Text Blocks</a:t>
+            </a:r>
+          </a:p>
+        </p:txBody>
+      </p:sp>
+      <p:sp>
+        <p:nvSpPr>
+          <p:cNvPr id="3" name="Content Placeholder 2">
+            <a:extLst>
+              <a:ext uri="{FF2B5EF4-FFF2-40B4-BE49-F238E27FC236}">
+                <a16:creationId xmlns:a16="http://schemas.microsoft.com/office/drawing/2014/main" id="{E565173A-FE84-820F-08AD-18DDD102856A}"/>
+              </a:ext>
+            </a:extLst>
+          </p:cNvPr>
+          <p:cNvSpPr>
+            <a:spLocks noGrp="1"/>
+          </p:cNvSpPr>
+          <p:nvPr>
+            <p:ph idx="1"/>
+          </p:nvPr>
+        </p:nvSpPr>
+        <p:spPr/>
+        <p:txBody>
+          <a:bodyPr/>
+          <a:lstStyle/>
+          <a:p>
+            <a:pPr marL="0" indent="0">
+              <a:buNone/>
+            </a:pPr>
+            <a:r>
+              <a:rPr lang="en-US" dirty="0"/>
+              <a:t>Escape Sequences in Text Blocks</a:t>
+            </a:r>
+          </a:p>
+          <a:p>
+            <a:pPr lvl="1"/>
+            <a:r>
+              <a:rPr lang="en-US" dirty="0"/>
+              <a:t>Text blocks have the advantage that the escape sequences most commonly used in strings, namely \" for quotes and \n for a line break, are no longer needed.</a:t>
+            </a:r>
+          </a:p>
+          <a:p>
+            <a:endParaRPr lang="en-US" dirty="0"/>
+          </a:p>
+          <a:p>
+            <a:pPr marL="0" indent="0">
+              <a:buNone/>
+            </a:pPr>
+            <a:r>
+              <a:rPr lang="en-US" dirty="0"/>
+              <a:t>Instead, there are two new escape sequences:</a:t>
+            </a:r>
+          </a:p>
+          <a:p>
+            <a:pPr lvl="1"/>
+            <a:r>
+              <a:rPr lang="en-US" dirty="0"/>
+              <a:t>Escape Sequence: Backslash at the End of the Line</a:t>
+            </a:r>
+          </a:p>
+          <a:p>
+            <a:pPr lvl="1"/>
+            <a:r>
+              <a:rPr lang="en-IN" dirty="0"/>
+              <a:t>Escape Sequence: \s</a:t>
+            </a:r>
+          </a:p>
+          <a:p>
+            <a:pPr lvl="1"/>
+            <a:endParaRPr lang="en-IN" dirty="0"/>
+          </a:p>
+          <a:p>
+            <a:pPr marL="457200" lvl="1" indent="0">
+              <a:buNone/>
+            </a:pPr>
+            <a:r>
+              <a:rPr lang="en-IN" dirty="0"/>
+              <a:t>See example code for details </a:t>
+            </a:r>
+          </a:p>
+        </p:txBody>
+      </p:sp>
+    </p:spTree>
+    <p:extLst>
+      <p:ext uri="{BB962C8B-B14F-4D97-AF65-F5344CB8AC3E}">
+        <p14:creationId xmlns:p14="http://schemas.microsoft.com/office/powerpoint/2010/main" val="901309428"/>
       </p:ext>
     </p:extLst>
   </p:cSld>

--- a/content/Java 11 and 17 Features.pptx
+++ b/content/Java 11 and 17 Features.pptx
@@ -9833,18 +9833,21 @@
             </a:r>
           </a:p>
           <a:p>
+            <a:pPr lvl="1"/>
             <a:r>
               <a:rPr lang="en-US" dirty="0"/>
               <a:t>Sealing within a "Compilation Unit“</a:t>
             </a:r>
           </a:p>
           <a:p>
+            <a:pPr lvl="1"/>
             <a:r>
               <a:rPr lang="en-IN" dirty="0"/>
               <a:t>Local Classes</a:t>
             </a:r>
           </a:p>
           <a:p>
+            <a:pPr lvl="1"/>
             <a:r>
               <a:rPr lang="en-US" dirty="0" err="1"/>
               <a:t>instanceof</a:t>
